--- a/igen.pptx
+++ b/igen.pptx
@@ -219,7 +219,7 @@
             <a:pPr algn="r" rtl="0"/>
             <a:fld id="{E5587E90-DB4D-4AB9-A3BE-8D12381E9306}" type="datetime1">
               <a:rPr lang="hu-HU" smtClean="0"/>
-              <a:t>2022.12.06.</a:t>
+              <a:t>2022.12.13.</a:t>
             </a:fld>
             <a:endParaRPr lang="hu-HU" dirty="0"/>
           </a:p>
@@ -389,7 +389,7 @@
             <a:fld id="{E63A96AB-C498-4426-9BEB-D3065E4EA84C}" type="datetime1">
               <a:rPr lang="hu-HU" smtClean="0"/>
               <a:pPr/>
-              <a:t>2022.12.06.</a:t>
+              <a:t>2022.12.13.</a:t>
             </a:fld>
             <a:endParaRPr lang="hu-HU" dirty="0"/>
           </a:p>
@@ -1121,7 +1121,7 @@
             <a:fld id="{66B932FA-3D5B-490A-91E6-C5401EB65707}" type="datetime1">
               <a:rPr lang="hu-HU" smtClean="0"/>
               <a:pPr/>
-              <a:t>2022.12.06.</a:t>
+              <a:t>2022.12.13.</a:t>
             </a:fld>
             <a:endParaRPr lang="hu-HU" dirty="0"/>
           </a:p>
@@ -1313,7 +1313,7 @@
             <a:fld id="{B2A809B6-C9BE-46EB-8778-AD38FB37E99D}" type="datetime1">
               <a:rPr lang="hu-HU" smtClean="0"/>
               <a:pPr/>
-              <a:t>2022.12.06.</a:t>
+              <a:t>2022.12.13.</a:t>
             </a:fld>
             <a:endParaRPr lang="hu-HU" dirty="0"/>
           </a:p>
@@ -1499,7 +1499,7 @@
             <a:fld id="{8739B665-8F0B-4FDC-9E99-50D219D141C1}" type="datetime1">
               <a:rPr lang="hu-HU" smtClean="0"/>
               <a:pPr/>
-              <a:t>2022.12.06.</a:t>
+              <a:t>2022.12.13.</a:t>
             </a:fld>
             <a:endParaRPr lang="hu-HU" dirty="0"/>
           </a:p>
@@ -1947,7 +1947,7 @@
             <a:fld id="{D7FA703B-9160-469B-833E-70BFD13EECD1}" type="datetime1">
               <a:rPr lang="hu-HU" smtClean="0"/>
               <a:pPr/>
-              <a:t>2022.12.06.</a:t>
+              <a:t>2022.12.13.</a:t>
             </a:fld>
             <a:endParaRPr lang="hu-HU" dirty="0"/>
           </a:p>
@@ -2399,7 +2399,7 @@
             <a:fld id="{021B663D-591C-4AC3-9885-B1388EE4E8B4}" type="datetime1">
               <a:rPr lang="hu-HU" smtClean="0"/>
               <a:pPr/>
-              <a:t>2022.12.06.</a:t>
+              <a:t>2022.12.13.</a:t>
             </a:fld>
             <a:endParaRPr lang="hu-HU" dirty="0"/>
           </a:p>
@@ -2529,7 +2529,7 @@
             <a:fld id="{51FAFBE6-4330-478A-B2C1-7C1019038ABD}" type="datetime1">
               <a:rPr lang="hu-HU" smtClean="0"/>
               <a:pPr/>
-              <a:t>2022.12.06.</a:t>
+              <a:t>2022.12.13.</a:t>
             </a:fld>
             <a:endParaRPr lang="hu-HU" dirty="0"/>
           </a:p>
@@ -2631,7 +2631,7 @@
             <a:fld id="{80D78EBC-FA22-460B-AA45-F0DD86F0BA22}" type="datetime1">
               <a:rPr lang="hu-HU" smtClean="0"/>
               <a:pPr/>
-              <a:t>2022.12.06.</a:t>
+              <a:t>2022.12.13.</a:t>
             </a:fld>
             <a:endParaRPr lang="hu-HU" dirty="0"/>
           </a:p>
@@ -2923,7 +2923,7 @@
             <a:fld id="{03ADF2AB-14F7-495A-918A-F9A026390C0A}" type="datetime1">
               <a:rPr lang="hu-HU" smtClean="0"/>
               <a:pPr/>
-              <a:t>2022.12.06.</a:t>
+              <a:t>2022.12.13.</a:t>
             </a:fld>
             <a:endParaRPr lang="hu-HU" dirty="0"/>
           </a:p>
@@ -3245,7 +3245,7 @@
             <a:fld id="{9D98EA3C-B895-4B3E-A7CB-26C208A4C9A7}" type="datetime1">
               <a:rPr lang="hu-HU" smtClean="0"/>
               <a:pPr/>
-              <a:t>2022.12.06.</a:t>
+              <a:t>2022.12.13.</a:t>
             </a:fld>
             <a:endParaRPr lang="hu-HU" dirty="0"/>
           </a:p>
@@ -3460,7 +3460,7 @@
             <a:fld id="{E6601B1B-F761-4653-BEBD-490CE75DF860}" type="datetime1">
               <a:rPr lang="hu-HU" smtClean="0"/>
               <a:pPr/>
-              <a:t>2022.12.06.</a:t>
+              <a:t>2022.12.13.</a:t>
             </a:fld>
             <a:endParaRPr lang="hu-HU" dirty="0"/>
           </a:p>
@@ -4337,17 +4337,24 @@
           <a:p>
             <a:r>
               <a:rPr lang="hu-HU" dirty="0"/>
-              <a:t>Logikai    topológia:</a:t>
+              <a:t>Fizikai</a:t>
+            </a:r>
+            <a:br>
+              <a:rPr lang="hu-HU" dirty="0"/>
+            </a:br>
+            <a:r>
+              <a:rPr lang="hu-HU" dirty="0"/>
+              <a:t>topológia:</a:t>
             </a:r>
           </a:p>
         </p:txBody>
       </p:sp>
       <p:pic>
         <p:nvPicPr>
-          <p:cNvPr id="9" name="Tartalom helye 8">
+          <p:cNvPr id="6" name="Tartalom helye 5">
             <a:extLst>
               <a:ext uri="{FF2B5EF4-FFF2-40B4-BE49-F238E27FC236}">
-                <a16:creationId xmlns:a16="http://schemas.microsoft.com/office/drawing/2014/main" id="{542ABF23-F324-4A30-B45C-567669644045}"/>
+                <a16:creationId xmlns:a16="http://schemas.microsoft.com/office/drawing/2014/main" id="{E461D953-41A1-4D47-8021-6DE62A39D9D1}"/>
               </a:ext>
             </a:extLst>
           </p:cNvPr>
@@ -4366,8 +4373,8 @@
         </p:blipFill>
         <p:spPr>
           <a:xfrm>
-            <a:off x="760413" y="1466599"/>
-            <a:ext cx="6400800" cy="3924802"/>
+            <a:off x="760413" y="1411967"/>
+            <a:ext cx="6400800" cy="4034065"/>
           </a:xfrm>
           <a:prstGeom prst="rect">
             <a:avLst/>
@@ -5276,129 +5283,12 @@
 </file>
 
 <file path=customXml/item1.xml><?xml version="1.0" encoding="utf-8"?>
-<p:properties xmlns:p="http://schemas.microsoft.com/office/2006/metadata/properties" xmlns:xsi="http://www.w3.org/2001/XMLSchema-instance" xmlns:pc="http://schemas.microsoft.com/office/infopath/2007/PartnerControls">
-  <documentManagement>
-    <DirectSourceMarket xmlns="4873beb7-5857-4685-be1f-d57550cc96cc" xsi:nil="true"/>
-    <ApprovalStatus xmlns="4873beb7-5857-4685-be1f-d57550cc96cc">InProgress</ApprovalStatus>
-    <MarketSpecific xmlns="4873beb7-5857-4685-be1f-d57550cc96cc">false</MarketSpecific>
-    <LocComments xmlns="4873beb7-5857-4685-be1f-d57550cc96cc" xsi:nil="true"/>
-    <ThumbnailAssetId xmlns="4873beb7-5857-4685-be1f-d57550cc96cc" xsi:nil="true"/>
-    <PrimaryImageGen xmlns="4873beb7-5857-4685-be1f-d57550cc96cc">true</PrimaryImageGen>
-    <LegacyData xmlns="4873beb7-5857-4685-be1f-d57550cc96cc" xsi:nil="true"/>
-    <LocRecommendedHandoff xmlns="4873beb7-5857-4685-be1f-d57550cc96cc" xsi:nil="true"/>
-    <BusinessGroup xmlns="4873beb7-5857-4685-be1f-d57550cc96cc" xsi:nil="true"/>
-    <BlockPublish xmlns="4873beb7-5857-4685-be1f-d57550cc96cc">false</BlockPublish>
-    <TPFriendlyName xmlns="4873beb7-5857-4685-be1f-d57550cc96cc" xsi:nil="true"/>
-    <NumericId xmlns="4873beb7-5857-4685-be1f-d57550cc96cc" xsi:nil="true"/>
-    <APEditor xmlns="4873beb7-5857-4685-be1f-d57550cc96cc">
-      <UserInfo>
-        <DisplayName/>
-        <AccountId xsi:nil="true"/>
-        <AccountType/>
-      </UserInfo>
-    </APEditor>
-    <SourceTitle xmlns="4873beb7-5857-4685-be1f-d57550cc96cc" xsi:nil="true"/>
-    <OpenTemplate xmlns="4873beb7-5857-4685-be1f-d57550cc96cc">true</OpenTemplate>
-    <UALocComments xmlns="4873beb7-5857-4685-be1f-d57550cc96cc" xsi:nil="true"/>
-    <ParentAssetId xmlns="4873beb7-5857-4685-be1f-d57550cc96cc" xsi:nil="true"/>
-    <IntlLangReviewDate xmlns="4873beb7-5857-4685-be1f-d57550cc96cc" xsi:nil="true"/>
-    <FeatureTagsTaxHTField0 xmlns="4873beb7-5857-4685-be1f-d57550cc96cc">
-      <Terms xmlns="http://schemas.microsoft.com/office/infopath/2007/PartnerControls"/>
-    </FeatureTagsTaxHTField0>
-    <PublishStatusLookup xmlns="4873beb7-5857-4685-be1f-d57550cc96cc">
-      <Value>1566889</Value>
-    </PublishStatusLookup>
-    <Providers xmlns="4873beb7-5857-4685-be1f-d57550cc96cc" xsi:nil="true"/>
-    <MachineTranslated xmlns="4873beb7-5857-4685-be1f-d57550cc96cc">false</MachineTranslated>
-    <OriginalSourceMarket xmlns="4873beb7-5857-4685-be1f-d57550cc96cc" xsi:nil="true"/>
-    <APDescription xmlns="4873beb7-5857-4685-be1f-d57550cc96cc" xsi:nil="true"/>
-    <ClipArtFilename xmlns="4873beb7-5857-4685-be1f-d57550cc96cc" xsi:nil="true"/>
-    <ContentItem xmlns="4873beb7-5857-4685-be1f-d57550cc96cc" xsi:nil="true"/>
-    <TPInstallLocation xmlns="4873beb7-5857-4685-be1f-d57550cc96cc" xsi:nil="true"/>
-    <PublishTargets xmlns="4873beb7-5857-4685-be1f-d57550cc96cc">OfficeOnlineVNext</PublishTargets>
-    <TimesCloned xmlns="4873beb7-5857-4685-be1f-d57550cc96cc" xsi:nil="true"/>
-    <AssetStart xmlns="4873beb7-5857-4685-be1f-d57550cc96cc">2012-05-23T08:44:00+00:00</AssetStart>
-    <Provider xmlns="4873beb7-5857-4685-be1f-d57550cc96cc" xsi:nil="true"/>
-    <AcquiredFrom xmlns="4873beb7-5857-4685-be1f-d57550cc96cc">Internal MS</AcquiredFrom>
-    <FriendlyTitle xmlns="4873beb7-5857-4685-be1f-d57550cc96cc" xsi:nil="true"/>
-    <LastHandOff xmlns="4873beb7-5857-4685-be1f-d57550cc96cc" xsi:nil="true"/>
-    <TPClientViewer xmlns="4873beb7-5857-4685-be1f-d57550cc96cc" xsi:nil="true"/>
-    <UACurrentWords xmlns="4873beb7-5857-4685-be1f-d57550cc96cc" xsi:nil="true"/>
-    <ArtSampleDocs xmlns="4873beb7-5857-4685-be1f-d57550cc96cc" xsi:nil="true"/>
-    <UALocRecommendation xmlns="4873beb7-5857-4685-be1f-d57550cc96cc">Localize</UALocRecommendation>
-    <Manager xmlns="4873beb7-5857-4685-be1f-d57550cc96cc" xsi:nil="true"/>
-    <ShowIn xmlns="4873beb7-5857-4685-be1f-d57550cc96cc">Show everywhere</ShowIn>
-    <UANotes xmlns="4873beb7-5857-4685-be1f-d57550cc96cc" xsi:nil="true"/>
-    <TemplateStatus xmlns="4873beb7-5857-4685-be1f-d57550cc96cc">Complete</TemplateStatus>
-    <InternalTagsTaxHTField0 xmlns="4873beb7-5857-4685-be1f-d57550cc96cc">
-      <Terms xmlns="http://schemas.microsoft.com/office/infopath/2007/PartnerControls"/>
-    </InternalTagsTaxHTField0>
-    <CSXHash xmlns="4873beb7-5857-4685-be1f-d57550cc96cc" xsi:nil="true"/>
-    <Downloads xmlns="4873beb7-5857-4685-be1f-d57550cc96cc">0</Downloads>
-    <VoteCount xmlns="4873beb7-5857-4685-be1f-d57550cc96cc" xsi:nil="true"/>
-    <OOCacheId xmlns="4873beb7-5857-4685-be1f-d57550cc96cc" xsi:nil="true"/>
-    <IsDeleted xmlns="4873beb7-5857-4685-be1f-d57550cc96cc">false</IsDeleted>
-    <AssetExpire xmlns="4873beb7-5857-4685-be1f-d57550cc96cc">2029-01-01T08:00:00+00:00</AssetExpire>
-    <DSATActionTaken xmlns="4873beb7-5857-4685-be1f-d57550cc96cc" xsi:nil="true"/>
-    <CSXSubmissionMarket xmlns="4873beb7-5857-4685-be1f-d57550cc96cc" xsi:nil="true"/>
-    <TPExecutable xmlns="4873beb7-5857-4685-be1f-d57550cc96cc" xsi:nil="true"/>
-    <SubmitterId xmlns="4873beb7-5857-4685-be1f-d57550cc96cc" xsi:nil="true"/>
-    <EditorialTags xmlns="4873beb7-5857-4685-be1f-d57550cc96cc" xsi:nil="true"/>
-    <ApprovalLog xmlns="4873beb7-5857-4685-be1f-d57550cc96cc" xsi:nil="true"/>
-    <AssetType xmlns="4873beb7-5857-4685-be1f-d57550cc96cc">TP</AssetType>
-    <BugNumber xmlns="4873beb7-5857-4685-be1f-d57550cc96cc" xsi:nil="true"/>
-    <CSXSubmissionDate xmlns="4873beb7-5857-4685-be1f-d57550cc96cc" xsi:nil="true"/>
-    <CSXUpdate xmlns="4873beb7-5857-4685-be1f-d57550cc96cc">false</CSXUpdate>
-    <Milestone xmlns="4873beb7-5857-4685-be1f-d57550cc96cc" xsi:nil="true"/>
-    <RecommendationsModifier xmlns="4873beb7-5857-4685-be1f-d57550cc96cc" xsi:nil="true"/>
-    <OriginAsset xmlns="4873beb7-5857-4685-be1f-d57550cc96cc" xsi:nil="true"/>
-    <TPComponent xmlns="4873beb7-5857-4685-be1f-d57550cc96cc" xsi:nil="true"/>
-    <AssetId xmlns="4873beb7-5857-4685-be1f-d57550cc96cc">TP102901017</AssetId>
-    <IntlLocPriority xmlns="4873beb7-5857-4685-be1f-d57550cc96cc" xsi:nil="true"/>
-    <PolicheckWords xmlns="4873beb7-5857-4685-be1f-d57550cc96cc" xsi:nil="true"/>
-    <TPLaunchHelpLink xmlns="4873beb7-5857-4685-be1f-d57550cc96cc" xsi:nil="true"/>
-    <TPApplication xmlns="4873beb7-5857-4685-be1f-d57550cc96cc" xsi:nil="true"/>
-    <CrawlForDependencies xmlns="4873beb7-5857-4685-be1f-d57550cc96cc">false</CrawlForDependencies>
-    <HandoffToMSDN xmlns="4873beb7-5857-4685-be1f-d57550cc96cc" xsi:nil="true"/>
-    <PlannedPubDate xmlns="4873beb7-5857-4685-be1f-d57550cc96cc" xsi:nil="true"/>
-    <IntlLangReviewer xmlns="4873beb7-5857-4685-be1f-d57550cc96cc" xsi:nil="true"/>
-    <TrustLevel xmlns="4873beb7-5857-4685-be1f-d57550cc96cc">1 Microsoft Managed Content</TrustLevel>
-    <LocLastLocAttemptVersionLookup xmlns="4873beb7-5857-4685-be1f-d57550cc96cc">836753</LocLastLocAttemptVersionLookup>
-    <IsSearchable xmlns="4873beb7-5857-4685-be1f-d57550cc96cc">true</IsSearchable>
-    <TemplateTemplateType xmlns="4873beb7-5857-4685-be1f-d57550cc96cc">PowerPoint Design Template</TemplateTemplateType>
-    <CampaignTagsTaxHTField0 xmlns="4873beb7-5857-4685-be1f-d57550cc96cc">
-      <Terms xmlns="http://schemas.microsoft.com/office/infopath/2007/PartnerControls"/>
-    </CampaignTagsTaxHTField0>
-    <TPNamespace xmlns="4873beb7-5857-4685-be1f-d57550cc96cc" xsi:nil="true"/>
-    <TaxCatchAll xmlns="4873beb7-5857-4685-be1f-d57550cc96cc"/>
-    <Markets xmlns="4873beb7-5857-4685-be1f-d57550cc96cc"/>
-    <UAProjectedTotalWords xmlns="4873beb7-5857-4685-be1f-d57550cc96cc" xsi:nil="true"/>
-    <IntlLangReview xmlns="4873beb7-5857-4685-be1f-d57550cc96cc">false</IntlLangReview>
-    <OutputCachingOn xmlns="4873beb7-5857-4685-be1f-d57550cc96cc">false</OutputCachingOn>
-    <AverageRating xmlns="4873beb7-5857-4685-be1f-d57550cc96cc" xsi:nil="true"/>
-    <APAuthor xmlns="4873beb7-5857-4685-be1f-d57550cc96cc">
-      <UserInfo>
-        <DisplayName>REDMOND\v-anij</DisplayName>
-        <AccountId>2469</AccountId>
-        <AccountType/>
-      </UserInfo>
-    </APAuthor>
-    <LocManualTestRequired xmlns="4873beb7-5857-4685-be1f-d57550cc96cc">false</LocManualTestRequired>
-    <TPCommandLine xmlns="4873beb7-5857-4685-be1f-d57550cc96cc" xsi:nil="true"/>
-    <TPAppVersion xmlns="4873beb7-5857-4685-be1f-d57550cc96cc" xsi:nil="true"/>
-    <EditorialStatus xmlns="4873beb7-5857-4685-be1f-d57550cc96cc">Complete</EditorialStatus>
-    <LastModifiedDateTime xmlns="4873beb7-5857-4685-be1f-d57550cc96cc" xsi:nil="true"/>
-    <ScenarioTagsTaxHTField0 xmlns="4873beb7-5857-4685-be1f-d57550cc96cc">
-      <Terms xmlns="http://schemas.microsoft.com/office/infopath/2007/PartnerControls"/>
-    </ScenarioTagsTaxHTField0>
-    <OriginalRelease xmlns="4873beb7-5857-4685-be1f-d57550cc96cc">15</OriginalRelease>
-    <TPLaunchHelpLinkType xmlns="4873beb7-5857-4685-be1f-d57550cc96cc">Template</TPLaunchHelpLinkType>
-    <LocalizationTagsTaxHTField0 xmlns="4873beb7-5857-4685-be1f-d57550cc96cc">
-      <Terms xmlns="http://schemas.microsoft.com/office/infopath/2007/PartnerControls"/>
-    </LocalizationTagsTaxHTField0>
-    <LocMarketGroupTiers2 xmlns="4873beb7-5857-4685-be1f-d57550cc96cc" xsi:nil="true"/>
-  </documentManagement>
-</p:properties>
+<?mso-contentType ?>
+<FormTemplates xmlns="http://schemas.microsoft.com/sharepoint/v3/contenttype/forms">
+  <Display>DocumentLibraryForm</Display>
+  <Edit>AssetEditForm</Edit>
+  <New>DocumentLibraryForm</New>
+</FormTemplates>
 </file>
 
 <file path=customXml/item2.xml><?xml version="1.0" encoding="utf-8"?>
@@ -6442,26 +6332,135 @@
 </file>
 
 <file path=customXml/item3.xml><?xml version="1.0" encoding="utf-8"?>
-<?mso-contentType ?>
-<FormTemplates xmlns="http://schemas.microsoft.com/sharepoint/v3/contenttype/forms">
-  <Display>DocumentLibraryForm</Display>
-  <Edit>AssetEditForm</Edit>
-  <New>DocumentLibraryForm</New>
-</FormTemplates>
+<p:properties xmlns:p="http://schemas.microsoft.com/office/2006/metadata/properties" xmlns:xsi="http://www.w3.org/2001/XMLSchema-instance" xmlns:pc="http://schemas.microsoft.com/office/infopath/2007/PartnerControls">
+  <documentManagement>
+    <DirectSourceMarket xmlns="4873beb7-5857-4685-be1f-d57550cc96cc" xsi:nil="true"/>
+    <ApprovalStatus xmlns="4873beb7-5857-4685-be1f-d57550cc96cc">InProgress</ApprovalStatus>
+    <MarketSpecific xmlns="4873beb7-5857-4685-be1f-d57550cc96cc">false</MarketSpecific>
+    <LocComments xmlns="4873beb7-5857-4685-be1f-d57550cc96cc" xsi:nil="true"/>
+    <ThumbnailAssetId xmlns="4873beb7-5857-4685-be1f-d57550cc96cc" xsi:nil="true"/>
+    <PrimaryImageGen xmlns="4873beb7-5857-4685-be1f-d57550cc96cc">true</PrimaryImageGen>
+    <LegacyData xmlns="4873beb7-5857-4685-be1f-d57550cc96cc" xsi:nil="true"/>
+    <LocRecommendedHandoff xmlns="4873beb7-5857-4685-be1f-d57550cc96cc" xsi:nil="true"/>
+    <BusinessGroup xmlns="4873beb7-5857-4685-be1f-d57550cc96cc" xsi:nil="true"/>
+    <BlockPublish xmlns="4873beb7-5857-4685-be1f-d57550cc96cc">false</BlockPublish>
+    <TPFriendlyName xmlns="4873beb7-5857-4685-be1f-d57550cc96cc" xsi:nil="true"/>
+    <NumericId xmlns="4873beb7-5857-4685-be1f-d57550cc96cc" xsi:nil="true"/>
+    <APEditor xmlns="4873beb7-5857-4685-be1f-d57550cc96cc">
+      <UserInfo>
+        <DisplayName/>
+        <AccountId xsi:nil="true"/>
+        <AccountType/>
+      </UserInfo>
+    </APEditor>
+    <SourceTitle xmlns="4873beb7-5857-4685-be1f-d57550cc96cc" xsi:nil="true"/>
+    <OpenTemplate xmlns="4873beb7-5857-4685-be1f-d57550cc96cc">true</OpenTemplate>
+    <UALocComments xmlns="4873beb7-5857-4685-be1f-d57550cc96cc" xsi:nil="true"/>
+    <ParentAssetId xmlns="4873beb7-5857-4685-be1f-d57550cc96cc" xsi:nil="true"/>
+    <IntlLangReviewDate xmlns="4873beb7-5857-4685-be1f-d57550cc96cc" xsi:nil="true"/>
+    <FeatureTagsTaxHTField0 xmlns="4873beb7-5857-4685-be1f-d57550cc96cc">
+      <Terms xmlns="http://schemas.microsoft.com/office/infopath/2007/PartnerControls"/>
+    </FeatureTagsTaxHTField0>
+    <PublishStatusLookup xmlns="4873beb7-5857-4685-be1f-d57550cc96cc">
+      <Value>1566889</Value>
+    </PublishStatusLookup>
+    <Providers xmlns="4873beb7-5857-4685-be1f-d57550cc96cc" xsi:nil="true"/>
+    <MachineTranslated xmlns="4873beb7-5857-4685-be1f-d57550cc96cc">false</MachineTranslated>
+    <OriginalSourceMarket xmlns="4873beb7-5857-4685-be1f-d57550cc96cc" xsi:nil="true"/>
+    <APDescription xmlns="4873beb7-5857-4685-be1f-d57550cc96cc" xsi:nil="true"/>
+    <ClipArtFilename xmlns="4873beb7-5857-4685-be1f-d57550cc96cc" xsi:nil="true"/>
+    <ContentItem xmlns="4873beb7-5857-4685-be1f-d57550cc96cc" xsi:nil="true"/>
+    <TPInstallLocation xmlns="4873beb7-5857-4685-be1f-d57550cc96cc" xsi:nil="true"/>
+    <PublishTargets xmlns="4873beb7-5857-4685-be1f-d57550cc96cc">OfficeOnlineVNext</PublishTargets>
+    <TimesCloned xmlns="4873beb7-5857-4685-be1f-d57550cc96cc" xsi:nil="true"/>
+    <AssetStart xmlns="4873beb7-5857-4685-be1f-d57550cc96cc">2012-05-23T08:44:00+00:00</AssetStart>
+    <Provider xmlns="4873beb7-5857-4685-be1f-d57550cc96cc" xsi:nil="true"/>
+    <AcquiredFrom xmlns="4873beb7-5857-4685-be1f-d57550cc96cc">Internal MS</AcquiredFrom>
+    <FriendlyTitle xmlns="4873beb7-5857-4685-be1f-d57550cc96cc" xsi:nil="true"/>
+    <LastHandOff xmlns="4873beb7-5857-4685-be1f-d57550cc96cc" xsi:nil="true"/>
+    <TPClientViewer xmlns="4873beb7-5857-4685-be1f-d57550cc96cc" xsi:nil="true"/>
+    <UACurrentWords xmlns="4873beb7-5857-4685-be1f-d57550cc96cc" xsi:nil="true"/>
+    <ArtSampleDocs xmlns="4873beb7-5857-4685-be1f-d57550cc96cc" xsi:nil="true"/>
+    <UALocRecommendation xmlns="4873beb7-5857-4685-be1f-d57550cc96cc">Localize</UALocRecommendation>
+    <Manager xmlns="4873beb7-5857-4685-be1f-d57550cc96cc" xsi:nil="true"/>
+    <ShowIn xmlns="4873beb7-5857-4685-be1f-d57550cc96cc">Show everywhere</ShowIn>
+    <UANotes xmlns="4873beb7-5857-4685-be1f-d57550cc96cc" xsi:nil="true"/>
+    <TemplateStatus xmlns="4873beb7-5857-4685-be1f-d57550cc96cc">Complete</TemplateStatus>
+    <InternalTagsTaxHTField0 xmlns="4873beb7-5857-4685-be1f-d57550cc96cc">
+      <Terms xmlns="http://schemas.microsoft.com/office/infopath/2007/PartnerControls"/>
+    </InternalTagsTaxHTField0>
+    <CSXHash xmlns="4873beb7-5857-4685-be1f-d57550cc96cc" xsi:nil="true"/>
+    <Downloads xmlns="4873beb7-5857-4685-be1f-d57550cc96cc">0</Downloads>
+    <VoteCount xmlns="4873beb7-5857-4685-be1f-d57550cc96cc" xsi:nil="true"/>
+    <OOCacheId xmlns="4873beb7-5857-4685-be1f-d57550cc96cc" xsi:nil="true"/>
+    <IsDeleted xmlns="4873beb7-5857-4685-be1f-d57550cc96cc">false</IsDeleted>
+    <AssetExpire xmlns="4873beb7-5857-4685-be1f-d57550cc96cc">2029-01-01T08:00:00+00:00</AssetExpire>
+    <DSATActionTaken xmlns="4873beb7-5857-4685-be1f-d57550cc96cc" xsi:nil="true"/>
+    <CSXSubmissionMarket xmlns="4873beb7-5857-4685-be1f-d57550cc96cc" xsi:nil="true"/>
+    <TPExecutable xmlns="4873beb7-5857-4685-be1f-d57550cc96cc" xsi:nil="true"/>
+    <SubmitterId xmlns="4873beb7-5857-4685-be1f-d57550cc96cc" xsi:nil="true"/>
+    <EditorialTags xmlns="4873beb7-5857-4685-be1f-d57550cc96cc" xsi:nil="true"/>
+    <ApprovalLog xmlns="4873beb7-5857-4685-be1f-d57550cc96cc" xsi:nil="true"/>
+    <AssetType xmlns="4873beb7-5857-4685-be1f-d57550cc96cc">TP</AssetType>
+    <BugNumber xmlns="4873beb7-5857-4685-be1f-d57550cc96cc" xsi:nil="true"/>
+    <CSXSubmissionDate xmlns="4873beb7-5857-4685-be1f-d57550cc96cc" xsi:nil="true"/>
+    <CSXUpdate xmlns="4873beb7-5857-4685-be1f-d57550cc96cc">false</CSXUpdate>
+    <Milestone xmlns="4873beb7-5857-4685-be1f-d57550cc96cc" xsi:nil="true"/>
+    <RecommendationsModifier xmlns="4873beb7-5857-4685-be1f-d57550cc96cc" xsi:nil="true"/>
+    <OriginAsset xmlns="4873beb7-5857-4685-be1f-d57550cc96cc" xsi:nil="true"/>
+    <TPComponent xmlns="4873beb7-5857-4685-be1f-d57550cc96cc" xsi:nil="true"/>
+    <AssetId xmlns="4873beb7-5857-4685-be1f-d57550cc96cc">TP102901017</AssetId>
+    <IntlLocPriority xmlns="4873beb7-5857-4685-be1f-d57550cc96cc" xsi:nil="true"/>
+    <PolicheckWords xmlns="4873beb7-5857-4685-be1f-d57550cc96cc" xsi:nil="true"/>
+    <TPLaunchHelpLink xmlns="4873beb7-5857-4685-be1f-d57550cc96cc" xsi:nil="true"/>
+    <TPApplication xmlns="4873beb7-5857-4685-be1f-d57550cc96cc" xsi:nil="true"/>
+    <CrawlForDependencies xmlns="4873beb7-5857-4685-be1f-d57550cc96cc">false</CrawlForDependencies>
+    <HandoffToMSDN xmlns="4873beb7-5857-4685-be1f-d57550cc96cc" xsi:nil="true"/>
+    <PlannedPubDate xmlns="4873beb7-5857-4685-be1f-d57550cc96cc" xsi:nil="true"/>
+    <IntlLangReviewer xmlns="4873beb7-5857-4685-be1f-d57550cc96cc" xsi:nil="true"/>
+    <TrustLevel xmlns="4873beb7-5857-4685-be1f-d57550cc96cc">1 Microsoft Managed Content</TrustLevel>
+    <LocLastLocAttemptVersionLookup xmlns="4873beb7-5857-4685-be1f-d57550cc96cc">836753</LocLastLocAttemptVersionLookup>
+    <IsSearchable xmlns="4873beb7-5857-4685-be1f-d57550cc96cc">true</IsSearchable>
+    <TemplateTemplateType xmlns="4873beb7-5857-4685-be1f-d57550cc96cc">PowerPoint Design Template</TemplateTemplateType>
+    <CampaignTagsTaxHTField0 xmlns="4873beb7-5857-4685-be1f-d57550cc96cc">
+      <Terms xmlns="http://schemas.microsoft.com/office/infopath/2007/PartnerControls"/>
+    </CampaignTagsTaxHTField0>
+    <TPNamespace xmlns="4873beb7-5857-4685-be1f-d57550cc96cc" xsi:nil="true"/>
+    <TaxCatchAll xmlns="4873beb7-5857-4685-be1f-d57550cc96cc"/>
+    <Markets xmlns="4873beb7-5857-4685-be1f-d57550cc96cc"/>
+    <UAProjectedTotalWords xmlns="4873beb7-5857-4685-be1f-d57550cc96cc" xsi:nil="true"/>
+    <IntlLangReview xmlns="4873beb7-5857-4685-be1f-d57550cc96cc">false</IntlLangReview>
+    <OutputCachingOn xmlns="4873beb7-5857-4685-be1f-d57550cc96cc">false</OutputCachingOn>
+    <AverageRating xmlns="4873beb7-5857-4685-be1f-d57550cc96cc" xsi:nil="true"/>
+    <APAuthor xmlns="4873beb7-5857-4685-be1f-d57550cc96cc">
+      <UserInfo>
+        <DisplayName>REDMOND\v-anij</DisplayName>
+        <AccountId>2469</AccountId>
+        <AccountType/>
+      </UserInfo>
+    </APAuthor>
+    <LocManualTestRequired xmlns="4873beb7-5857-4685-be1f-d57550cc96cc">false</LocManualTestRequired>
+    <TPCommandLine xmlns="4873beb7-5857-4685-be1f-d57550cc96cc" xsi:nil="true"/>
+    <TPAppVersion xmlns="4873beb7-5857-4685-be1f-d57550cc96cc" xsi:nil="true"/>
+    <EditorialStatus xmlns="4873beb7-5857-4685-be1f-d57550cc96cc">Complete</EditorialStatus>
+    <LastModifiedDateTime xmlns="4873beb7-5857-4685-be1f-d57550cc96cc" xsi:nil="true"/>
+    <ScenarioTagsTaxHTField0 xmlns="4873beb7-5857-4685-be1f-d57550cc96cc">
+      <Terms xmlns="http://schemas.microsoft.com/office/infopath/2007/PartnerControls"/>
+    </ScenarioTagsTaxHTField0>
+    <OriginalRelease xmlns="4873beb7-5857-4685-be1f-d57550cc96cc">15</OriginalRelease>
+    <TPLaunchHelpLinkType xmlns="4873beb7-5857-4685-be1f-d57550cc96cc">Template</TPLaunchHelpLinkType>
+    <LocalizationTagsTaxHTField0 xmlns="4873beb7-5857-4685-be1f-d57550cc96cc">
+      <Terms xmlns="http://schemas.microsoft.com/office/infopath/2007/PartnerControls"/>
+    </LocalizationTagsTaxHTField0>
+    <LocMarketGroupTiers2 xmlns="4873beb7-5857-4685-be1f-d57550cc96cc" xsi:nil="true"/>
+  </documentManagement>
+</p:properties>
 </file>
 
 <file path=customXml/itemProps1.xml><?xml version="1.0" encoding="utf-8"?>
-<ds:datastoreItem xmlns:ds="http://schemas.openxmlformats.org/officeDocument/2006/customXml" ds:itemID="{04098515-0C12-46CF-BC7C-69B4A13CD5FA}">
+<ds:datastoreItem xmlns:ds="http://schemas.openxmlformats.org/officeDocument/2006/customXml" ds:itemID="{746CFF6F-D9AA-4BC0-911A-0A1356771912}">
   <ds:schemaRefs>
-    <ds:schemaRef ds:uri="http://schemas.microsoft.com/office/2006/documentManagement/types"/>
-    <ds:schemaRef ds:uri="http://schemas.microsoft.com/office/infopath/2007/PartnerControls"/>
-    <ds:schemaRef ds:uri="http://purl.org/dc/elements/1.1/"/>
-    <ds:schemaRef ds:uri="http://schemas.microsoft.com/office/2006/metadata/properties"/>
-    <ds:schemaRef ds:uri="http://purl.org/dc/terms/"/>
-    <ds:schemaRef ds:uri="http://schemas.openxmlformats.org/package/2006/metadata/core-properties"/>
-    <ds:schemaRef ds:uri="4873beb7-5857-4685-be1f-d57550cc96cc"/>
-    <ds:schemaRef ds:uri="http://www.w3.org/XML/1998/namespace"/>
-    <ds:schemaRef ds:uri="http://purl.org/dc/dcmitype/"/>
+    <ds:schemaRef ds:uri="http://schemas.microsoft.com/sharepoint/v3/contenttype/forms"/>
   </ds:schemaRefs>
 </ds:datastoreItem>
 </file>
@@ -6485,9 +6484,17 @@
 </file>
 
 <file path=customXml/itemProps3.xml><?xml version="1.0" encoding="utf-8"?>
-<ds:datastoreItem xmlns:ds="http://schemas.openxmlformats.org/officeDocument/2006/customXml" ds:itemID="{746CFF6F-D9AA-4BC0-911A-0A1356771912}">
+<ds:datastoreItem xmlns:ds="http://schemas.openxmlformats.org/officeDocument/2006/customXml" ds:itemID="{04098515-0C12-46CF-BC7C-69B4A13CD5FA}">
   <ds:schemaRefs>
-    <ds:schemaRef ds:uri="http://schemas.microsoft.com/sharepoint/v3/contenttype/forms"/>
+    <ds:schemaRef ds:uri="http://schemas.microsoft.com/office/2006/documentManagement/types"/>
+    <ds:schemaRef ds:uri="http://schemas.microsoft.com/office/infopath/2007/PartnerControls"/>
+    <ds:schemaRef ds:uri="http://purl.org/dc/elements/1.1/"/>
+    <ds:schemaRef ds:uri="http://schemas.microsoft.com/office/2006/metadata/properties"/>
+    <ds:schemaRef ds:uri="http://purl.org/dc/terms/"/>
+    <ds:schemaRef ds:uri="http://schemas.openxmlformats.org/package/2006/metadata/core-properties"/>
+    <ds:schemaRef ds:uri="4873beb7-5857-4685-be1f-d57550cc96cc"/>
+    <ds:schemaRef ds:uri="http://www.w3.org/XML/1998/namespace"/>
+    <ds:schemaRef ds:uri="http://purl.org/dc/dcmitype/"/>
   </ds:schemaRefs>
 </ds:datastoreItem>
 </file>
--- a/igen.pptx
+++ b/igen.pptx
@@ -5,16 +5,20 @@
     <p:sldMasterId id="2147483648" r:id="rId4"/>
   </p:sldMasterIdLst>
   <p:notesMasterIdLst>
-    <p:notesMasterId r:id="rId9"/>
+    <p:notesMasterId r:id="rId13"/>
   </p:notesMasterIdLst>
   <p:handoutMasterIdLst>
-    <p:handoutMasterId r:id="rId10"/>
+    <p:handoutMasterId r:id="rId14"/>
   </p:handoutMasterIdLst>
   <p:sldIdLst>
     <p:sldId id="256" r:id="rId5"/>
     <p:sldId id="257" r:id="rId6"/>
     <p:sldId id="258" r:id="rId7"/>
     <p:sldId id="259" r:id="rId8"/>
+    <p:sldId id="260" r:id="rId9"/>
+    <p:sldId id="261" r:id="rId10"/>
+    <p:sldId id="262" r:id="rId11"/>
+    <p:sldId id="263" r:id="rId12"/>
   </p:sldIdLst>
   <p:sldSz cx="12192000" cy="6858000"/>
   <p:notesSz cx="6858000" cy="9144000"/>
@@ -219,7 +223,7 @@
             <a:pPr algn="r" rtl="0"/>
             <a:fld id="{E5587E90-DB4D-4AB9-A3BE-8D12381E9306}" type="datetime1">
               <a:rPr lang="hu-HU" smtClean="0"/>
-              <a:t>2022.12.13.</a:t>
+              <a:t>2023.01.10.</a:t>
             </a:fld>
             <a:endParaRPr lang="hu-HU" dirty="0"/>
           </a:p>
@@ -389,7 +393,7 @@
             <a:fld id="{E63A96AB-C498-4426-9BEB-D3065E4EA84C}" type="datetime1">
               <a:rPr lang="hu-HU" smtClean="0"/>
               <a:pPr/>
-              <a:t>2022.12.13.</a:t>
+              <a:t>2023.01.10.</a:t>
             </a:fld>
             <a:endParaRPr lang="hu-HU" dirty="0"/>
           </a:p>
@@ -1121,7 +1125,7 @@
             <a:fld id="{66B932FA-3D5B-490A-91E6-C5401EB65707}" type="datetime1">
               <a:rPr lang="hu-HU" smtClean="0"/>
               <a:pPr/>
-              <a:t>2022.12.13.</a:t>
+              <a:t>2023.01.10.</a:t>
             </a:fld>
             <a:endParaRPr lang="hu-HU" dirty="0"/>
           </a:p>
@@ -1313,7 +1317,7 @@
             <a:fld id="{B2A809B6-C9BE-46EB-8778-AD38FB37E99D}" type="datetime1">
               <a:rPr lang="hu-HU" smtClean="0"/>
               <a:pPr/>
-              <a:t>2022.12.13.</a:t>
+              <a:t>2023.01.10.</a:t>
             </a:fld>
             <a:endParaRPr lang="hu-HU" dirty="0"/>
           </a:p>
@@ -1499,7 +1503,7 @@
             <a:fld id="{8739B665-8F0B-4FDC-9E99-50D219D141C1}" type="datetime1">
               <a:rPr lang="hu-HU" smtClean="0"/>
               <a:pPr/>
-              <a:t>2022.12.13.</a:t>
+              <a:t>2023.01.10.</a:t>
             </a:fld>
             <a:endParaRPr lang="hu-HU" dirty="0"/>
           </a:p>
@@ -1947,7 +1951,7 @@
             <a:fld id="{D7FA703B-9160-469B-833E-70BFD13EECD1}" type="datetime1">
               <a:rPr lang="hu-HU" smtClean="0"/>
               <a:pPr/>
-              <a:t>2022.12.13.</a:t>
+              <a:t>2023.01.10.</a:t>
             </a:fld>
             <a:endParaRPr lang="hu-HU" dirty="0"/>
           </a:p>
@@ -2399,7 +2403,7 @@
             <a:fld id="{021B663D-591C-4AC3-9885-B1388EE4E8B4}" type="datetime1">
               <a:rPr lang="hu-HU" smtClean="0"/>
               <a:pPr/>
-              <a:t>2022.12.13.</a:t>
+              <a:t>2023.01.10.</a:t>
             </a:fld>
             <a:endParaRPr lang="hu-HU" dirty="0"/>
           </a:p>
@@ -2529,7 +2533,7 @@
             <a:fld id="{51FAFBE6-4330-478A-B2C1-7C1019038ABD}" type="datetime1">
               <a:rPr lang="hu-HU" smtClean="0"/>
               <a:pPr/>
-              <a:t>2022.12.13.</a:t>
+              <a:t>2023.01.10.</a:t>
             </a:fld>
             <a:endParaRPr lang="hu-HU" dirty="0"/>
           </a:p>
@@ -2631,7 +2635,7 @@
             <a:fld id="{80D78EBC-FA22-460B-AA45-F0DD86F0BA22}" type="datetime1">
               <a:rPr lang="hu-HU" smtClean="0"/>
               <a:pPr/>
-              <a:t>2022.12.13.</a:t>
+              <a:t>2023.01.10.</a:t>
             </a:fld>
             <a:endParaRPr lang="hu-HU" dirty="0"/>
           </a:p>
@@ -2923,7 +2927,7 @@
             <a:fld id="{03ADF2AB-14F7-495A-918A-F9A026390C0A}" type="datetime1">
               <a:rPr lang="hu-HU" smtClean="0"/>
               <a:pPr/>
-              <a:t>2022.12.13.</a:t>
+              <a:t>2023.01.10.</a:t>
             </a:fld>
             <a:endParaRPr lang="hu-HU" dirty="0"/>
           </a:p>
@@ -3245,7 +3249,7 @@
             <a:fld id="{9D98EA3C-B895-4B3E-A7CB-26C208A4C9A7}" type="datetime1">
               <a:rPr lang="hu-HU" smtClean="0"/>
               <a:pPr/>
-              <a:t>2022.12.13.</a:t>
+              <a:t>2023.01.10.</a:t>
             </a:fld>
             <a:endParaRPr lang="hu-HU" dirty="0"/>
           </a:p>
@@ -3460,7 +3464,7 @@
             <a:fld id="{E6601B1B-F761-4653-BEBD-490CE75DF860}" type="datetime1">
               <a:rPr lang="hu-HU" smtClean="0"/>
               <a:pPr/>
-              <a:t>2022.12.13.</a:t>
+              <a:t>2023.01.10.</a:t>
             </a:fld>
             <a:endParaRPr lang="hu-HU" dirty="0"/>
           </a:p>
@@ -4074,7 +4078,7 @@
             </a:br>
             <a:r>
               <a:rPr lang="hu-HU" dirty="0"/>
-              <a:t>-3 db 2911 Router amin minimum 3 Gigabit </a:t>
+              <a:t>-4 db 2911 Router amin minimum 3 Gigabit </a:t>
             </a:r>
             <a:r>
               <a:rPr lang="hu-HU" dirty="0" err="1"/>
@@ -4089,7 +4093,7 @@
             </a:br>
             <a:r>
               <a:rPr lang="hu-HU" dirty="0"/>
-              <a:t>- 3 db  </a:t>
+              <a:t>- 7 db  </a:t>
             </a:r>
             <a:r>
               <a:rPr lang="hu-HU" dirty="0" err="1"/>
@@ -4142,7 +4146,7 @@
             </a:br>
             <a:r>
               <a:rPr lang="hu-HU" dirty="0"/>
-              <a:t>- 10 db számitógép </a:t>
+              <a:t>- 23 db számitógép </a:t>
             </a:r>
             <a:br>
               <a:rPr lang="hu-HU" dirty="0"/>
@@ -4198,7 +4202,7 @@
                   <a:schemeClr val="tx1"/>
                 </a:solidFill>
               </a:rPr>
-              <a:t>- 14 db Egyenes </a:t>
+              <a:t>- 47 db Egyenes </a:t>
             </a:r>
             <a:r>
               <a:rPr lang="hu-HU" dirty="0" err="1">
@@ -4229,7 +4233,7 @@
                   <a:schemeClr val="tx1"/>
                 </a:solidFill>
               </a:rPr>
-              <a:t>- 2 db </a:t>
+              <a:t>- 3 db </a:t>
             </a:r>
             <a:r>
               <a:rPr lang="hu-HU" dirty="0" err="1">
@@ -4260,7 +4264,7 @@
                   <a:schemeClr val="tx1"/>
                 </a:solidFill>
               </a:rPr>
-              <a:t>- 2 db Konzol kábel </a:t>
+              <a:t>- 1 db Konzol kábel </a:t>
             </a:r>
             <a:br>
               <a:rPr lang="hu-HU" dirty="0">
@@ -4351,10 +4355,10 @@
       </p:sp>
       <p:pic>
         <p:nvPicPr>
-          <p:cNvPr id="6" name="Tartalom helye 5">
+          <p:cNvPr id="9" name="Tartalom helye 8">
             <a:extLst>
               <a:ext uri="{FF2B5EF4-FFF2-40B4-BE49-F238E27FC236}">
-                <a16:creationId xmlns:a16="http://schemas.microsoft.com/office/drawing/2014/main" id="{E461D953-41A1-4D47-8021-6DE62A39D9D1}"/>
+                <a16:creationId xmlns:a16="http://schemas.microsoft.com/office/drawing/2014/main" id="{B06CBD3E-384E-4497-9BF3-71A4DA97C0E2}"/>
               </a:ext>
             </a:extLst>
           </p:cNvPr>
@@ -4373,8 +4377,8 @@
         </p:blipFill>
         <p:spPr>
           <a:xfrm>
-            <a:off x="760413" y="1411967"/>
-            <a:ext cx="6400800" cy="4034065"/>
+            <a:off x="760413" y="1416627"/>
+            <a:ext cx="6400800" cy="4024745"/>
           </a:xfrm>
           <a:prstGeom prst="rect">
             <a:avLst/>
@@ -4432,35 +4436,52 @@
           <a:bodyPr/>
           <a:lstStyle/>
           <a:p>
-            <a:endParaRPr lang="hu-HU"/>
-          </a:p>
-        </p:txBody>
-      </p:sp>
-      <p:sp>
-        <p:nvSpPr>
-          <p:cNvPr id="3" name="Tartalom helye 2">
+            <a:r>
+              <a:rPr lang="hu-HU" dirty="0"/>
+              <a:t>Logikai </a:t>
+            </a:r>
+            <a:br>
+              <a:rPr lang="hu-HU" dirty="0"/>
+            </a:br>
+            <a:r>
+              <a:rPr lang="hu-HU" dirty="0"/>
+              <a:t>Topológia</a:t>
+            </a:r>
+          </a:p>
+        </p:txBody>
+      </p:sp>
+      <p:pic>
+        <p:nvPicPr>
+          <p:cNvPr id="5" name="Tartalom helye 4">
             <a:extLst>
               <a:ext uri="{FF2B5EF4-FFF2-40B4-BE49-F238E27FC236}">
-                <a16:creationId xmlns:a16="http://schemas.microsoft.com/office/drawing/2014/main" id="{F46E804E-959D-426A-959B-A0D47F2B3798}"/>
+                <a16:creationId xmlns:a16="http://schemas.microsoft.com/office/drawing/2014/main" id="{50656569-BA35-4303-BAEA-92B9E52C205F}"/>
               </a:ext>
             </a:extLst>
           </p:cNvPr>
-          <p:cNvSpPr>
-            <a:spLocks noGrp="1"/>
-          </p:cNvSpPr>
+          <p:cNvPicPr>
+            <a:picLocks noGrp="1" noChangeAspect="1"/>
+          </p:cNvPicPr>
           <p:nvPr>
             <p:ph idx="1"/>
           </p:nvPr>
-        </p:nvSpPr>
-        <p:spPr/>
-        <p:txBody>
-          <a:bodyPr/>
-          <a:lstStyle/>
-          <a:p>
-            <a:endParaRPr lang="hu-HU"/>
-          </a:p>
-        </p:txBody>
-      </p:sp>
+        </p:nvPicPr>
+        <p:blipFill>
+          <a:blip r:embed="rId2"/>
+          <a:stretch>
+            <a:fillRect/>
+          </a:stretch>
+        </p:blipFill>
+        <p:spPr>
+          <a:xfrm>
+            <a:off x="760413" y="2195884"/>
+            <a:ext cx="6400800" cy="2466232"/>
+          </a:xfrm>
+          <a:prstGeom prst="rect">
+            <a:avLst/>
+          </a:prstGeom>
+        </p:spPr>
+      </p:pic>
       <p:sp>
         <p:nvSpPr>
           <p:cNvPr id="4" name="Szöveg helye 3">
@@ -4490,6 +4511,889 @@
     <p:extLst>
       <p:ext uri="{BB962C8B-B14F-4D97-AF65-F5344CB8AC3E}">
         <p14:creationId xmlns:p14="http://schemas.microsoft.com/office/powerpoint/2010/main" val="881842170"/>
+      </p:ext>
+    </p:extLst>
+  </p:cSld>
+  <p:clrMapOvr>
+    <a:masterClrMapping/>
+  </p:clrMapOvr>
+</p:sld>
+</file>
+
+<file path=ppt/slides/slide5.xml><?xml version="1.0" encoding="utf-8"?>
+<p:sld xmlns:a="http://schemas.openxmlformats.org/drawingml/2006/main" xmlns:r="http://schemas.openxmlformats.org/officeDocument/2006/relationships" xmlns:p="http://schemas.openxmlformats.org/presentationml/2006/main">
+  <p:cSld>
+    <p:spTree>
+      <p:nvGrpSpPr>
+        <p:cNvPr id="1" name=""/>
+        <p:cNvGrpSpPr/>
+        <p:nvPr/>
+      </p:nvGrpSpPr>
+      <p:grpSpPr>
+        <a:xfrm>
+          <a:off x="0" y="0"/>
+          <a:ext cx="0" cy="0"/>
+          <a:chOff x="0" y="0"/>
+          <a:chExt cx="0" cy="0"/>
+        </a:xfrm>
+      </p:grpSpPr>
+      <p:sp>
+        <p:nvSpPr>
+          <p:cNvPr id="5" name="Cím 4">
+            <a:extLst>
+              <a:ext uri="{FF2B5EF4-FFF2-40B4-BE49-F238E27FC236}">
+                <a16:creationId xmlns:a16="http://schemas.microsoft.com/office/drawing/2014/main" id="{80E511D6-0565-45CF-9DC7-B170D131A9A5}"/>
+              </a:ext>
+            </a:extLst>
+          </p:cNvPr>
+          <p:cNvSpPr>
+            <a:spLocks noGrp="1"/>
+          </p:cNvSpPr>
+          <p:nvPr>
+            <p:ph type="title"/>
+          </p:nvPr>
+        </p:nvSpPr>
+        <p:spPr/>
+        <p:txBody>
+          <a:bodyPr/>
+          <a:lstStyle/>
+          <a:p>
+            <a:r>
+              <a:rPr lang="hu-HU" dirty="0"/>
+              <a:t>Hálózati címek</a:t>
+            </a:r>
+            <a:br>
+              <a:rPr lang="hu-HU" dirty="0"/>
+            </a:br>
+            <a:endParaRPr lang="hu-HU" dirty="0"/>
+          </a:p>
+        </p:txBody>
+      </p:sp>
+      <p:sp>
+        <p:nvSpPr>
+          <p:cNvPr id="6" name="Tartalom helye 5">
+            <a:extLst>
+              <a:ext uri="{FF2B5EF4-FFF2-40B4-BE49-F238E27FC236}">
+                <a16:creationId xmlns:a16="http://schemas.microsoft.com/office/drawing/2014/main" id="{2DE9C5C2-2C65-413D-BBE8-9D0A85546341}"/>
+              </a:ext>
+            </a:extLst>
+          </p:cNvPr>
+          <p:cNvSpPr>
+            <a:spLocks noGrp="1"/>
+          </p:cNvSpPr>
+          <p:nvPr>
+            <p:ph sz="half" idx="1"/>
+          </p:nvPr>
+        </p:nvSpPr>
+        <p:spPr/>
+        <p:txBody>
+          <a:bodyPr>
+            <a:normAutofit lnSpcReduction="10000"/>
+          </a:bodyPr>
+          <a:lstStyle/>
+          <a:p>
+            <a:pPr marL="0" indent="0">
+              <a:buNone/>
+            </a:pPr>
+            <a:r>
+              <a:rPr lang="hu-HU" dirty="0"/>
+              <a:t>R1-R2: 172.16.1.0/24                                                   192.168.30.0/27</a:t>
+            </a:r>
+            <a:br>
+              <a:rPr lang="hu-HU" dirty="0"/>
+            </a:br>
+            <a:r>
+              <a:rPr lang="hu-HU" dirty="0"/>
+              <a:t>R2-RWireles:192.168.100.0/30                                Pc7,Pc8,Pc9,Dhcp/Email</a:t>
+            </a:r>
+            <a:br>
+              <a:rPr lang="hu-HU" dirty="0"/>
+            </a:br>
+            <a:r>
+              <a:rPr lang="hu-HU" dirty="0"/>
+              <a:t>R2-R3:172.16.2.0/30</a:t>
+            </a:r>
+            <a:br>
+              <a:rPr lang="hu-HU" dirty="0"/>
+            </a:br>
+            <a:r>
+              <a:rPr lang="hu-HU" dirty="0"/>
+              <a:t>R3-R4:172.16.3.0/24</a:t>
+            </a:r>
+            <a:br>
+              <a:rPr lang="hu-HU" dirty="0"/>
+            </a:br>
+            <a:br>
+              <a:rPr lang="hu-HU" dirty="0"/>
+            </a:br>
+            <a:r>
+              <a:rPr lang="hu-HU" dirty="0"/>
+              <a:t>Vlan10</a:t>
+            </a:r>
+            <a:br>
+              <a:rPr lang="hu-HU" dirty="0"/>
+            </a:br>
+            <a:r>
+              <a:rPr lang="hu-HU" dirty="0"/>
+              <a:t>192.168.10.0/24</a:t>
+            </a:r>
+            <a:br>
+              <a:rPr lang="hu-HU" dirty="0"/>
+            </a:br>
+            <a:r>
+              <a:rPr lang="hu-HU" dirty="0"/>
+              <a:t>Pc1,Pc2,Pc3</a:t>
+            </a:r>
+            <a:br>
+              <a:rPr lang="hu-HU" dirty="0"/>
+            </a:br>
+            <a:br>
+              <a:rPr lang="hu-HU" dirty="0"/>
+            </a:br>
+            <a:r>
+              <a:rPr lang="hu-HU" dirty="0"/>
+              <a:t>192.168.20.0/25</a:t>
+            </a:r>
+            <a:br>
+              <a:rPr lang="hu-HU" dirty="0"/>
+            </a:br>
+            <a:r>
+              <a:rPr lang="hu-HU" dirty="0"/>
+              <a:t>Pc4,Pc5,Pc6</a:t>
+            </a:r>
+            <a:br>
+              <a:rPr lang="hu-HU" dirty="0"/>
+            </a:br>
+            <a:br>
+              <a:rPr lang="hu-HU" b="1" dirty="0"/>
+            </a:br>
+            <a:r>
+              <a:rPr lang="hu-HU" dirty="0"/>
+              <a:t>192.168.11.0/28</a:t>
+            </a:r>
+            <a:br>
+              <a:rPr lang="hu-HU" dirty="0"/>
+            </a:br>
+            <a:r>
+              <a:rPr lang="hu-HU" dirty="0"/>
+              <a:t>Pc0,Pc10,Pc22</a:t>
+            </a:r>
+            <a:br>
+              <a:rPr lang="hu-HU" dirty="0"/>
+            </a:br>
+            <a:endParaRPr lang="hu-HU" dirty="0"/>
+          </a:p>
+        </p:txBody>
+      </p:sp>
+      <p:sp>
+        <p:nvSpPr>
+          <p:cNvPr id="10" name="Tartalom helye 9">
+            <a:extLst>
+              <a:ext uri="{FF2B5EF4-FFF2-40B4-BE49-F238E27FC236}">
+                <a16:creationId xmlns:a16="http://schemas.microsoft.com/office/drawing/2014/main" id="{5993987D-3369-45F1-BF7C-F91F68F84218}"/>
+              </a:ext>
+            </a:extLst>
+          </p:cNvPr>
+          <p:cNvSpPr>
+            <a:spLocks noGrp="1"/>
+          </p:cNvSpPr>
+          <p:nvPr>
+            <p:ph sz="half" idx="2"/>
+          </p:nvPr>
+        </p:nvSpPr>
+        <p:spPr/>
+        <p:txBody>
+          <a:bodyPr>
+            <a:normAutofit lnSpcReduction="10000"/>
+          </a:bodyPr>
+          <a:lstStyle/>
+          <a:p>
+            <a:pPr marL="0" indent="0">
+              <a:buNone/>
+            </a:pPr>
+            <a:r>
+              <a:rPr lang="hu-HU" dirty="0"/>
+              <a:t>192.168.30.0/27</a:t>
+            </a:r>
+            <a:br>
+              <a:rPr lang="hu-HU" dirty="0"/>
+            </a:br>
+            <a:r>
+              <a:rPr lang="hu-HU" dirty="0"/>
+              <a:t>Pc7,Pc8,Pc9,Dhcp/Email</a:t>
+            </a:r>
+            <a:br>
+              <a:rPr lang="hu-HU" dirty="0"/>
+            </a:br>
+            <a:br>
+              <a:rPr lang="hu-HU" dirty="0"/>
+            </a:br>
+            <a:r>
+              <a:rPr lang="hu-HU" dirty="0"/>
+              <a:t>Vlan20</a:t>
+            </a:r>
+            <a:br>
+              <a:rPr lang="hu-HU" dirty="0"/>
+            </a:br>
+            <a:r>
+              <a:rPr lang="hu-HU" dirty="0"/>
+              <a:t>192.168.40.0/25</a:t>
+            </a:r>
+            <a:br>
+              <a:rPr lang="hu-HU" dirty="0"/>
+            </a:br>
+            <a:r>
+              <a:rPr lang="hu-HU" dirty="0"/>
+              <a:t>Pc16,Pc17,Pc18</a:t>
+            </a:r>
+            <a:br>
+              <a:rPr lang="hu-HU" dirty="0"/>
+            </a:br>
+            <a:br>
+              <a:rPr lang="hu-HU" dirty="0"/>
+            </a:br>
+            <a:r>
+              <a:rPr lang="hu-HU" dirty="0"/>
+              <a:t>192.168.60.0/26</a:t>
+            </a:r>
+            <a:br>
+              <a:rPr lang="hu-HU" dirty="0"/>
+            </a:br>
+            <a:r>
+              <a:rPr lang="hu-HU" dirty="0"/>
+              <a:t>Pc15,Pc14,Pc13</a:t>
+            </a:r>
+            <a:br>
+              <a:rPr lang="hu-HU" dirty="0"/>
+            </a:br>
+            <a:br>
+              <a:rPr lang="hu-HU" dirty="0"/>
+            </a:br>
+            <a:r>
+              <a:rPr lang="hu-HU" dirty="0"/>
+              <a:t>192.168.60.128/26</a:t>
+            </a:r>
+            <a:br>
+              <a:rPr lang="hu-HU" dirty="0"/>
+            </a:br>
+            <a:r>
+              <a:rPr lang="hu-HU" dirty="0"/>
+              <a:t>Pc19,Pc20,Pc21</a:t>
+            </a:r>
+            <a:br>
+              <a:rPr lang="hu-HU" dirty="0"/>
+            </a:br>
+            <a:br>
+              <a:rPr lang="hu-HU" dirty="0"/>
+            </a:br>
+            <a:r>
+              <a:rPr lang="hu-HU" dirty="0" err="1"/>
+              <a:t>Vlan</a:t>
+            </a:r>
+            <a:r>
+              <a:rPr lang="hu-HU" dirty="0"/>
+              <a:t> 30</a:t>
+            </a:r>
+            <a:br>
+              <a:rPr lang="hu-HU" dirty="0"/>
+            </a:br>
+            <a:r>
+              <a:rPr lang="hu-HU" dirty="0"/>
+              <a:t>192.168.70.0/28</a:t>
+            </a:r>
+            <a:br>
+              <a:rPr lang="hu-HU" dirty="0"/>
+            </a:br>
+            <a:r>
+              <a:rPr lang="hu-HU" dirty="0"/>
+              <a:t>Pc12,Pc11</a:t>
+            </a:r>
+          </a:p>
+        </p:txBody>
+      </p:sp>
+    </p:spTree>
+    <p:extLst>
+      <p:ext uri="{BB962C8B-B14F-4D97-AF65-F5344CB8AC3E}">
+        <p14:creationId xmlns:p14="http://schemas.microsoft.com/office/powerpoint/2010/main" val="707260420"/>
+      </p:ext>
+    </p:extLst>
+  </p:cSld>
+  <p:clrMapOvr>
+    <a:masterClrMapping/>
+  </p:clrMapOvr>
+</p:sld>
+</file>
+
+<file path=ppt/slides/slide6.xml><?xml version="1.0" encoding="utf-8"?>
+<p:sld xmlns:a="http://schemas.openxmlformats.org/drawingml/2006/main" xmlns:r="http://schemas.openxmlformats.org/officeDocument/2006/relationships" xmlns:p="http://schemas.openxmlformats.org/presentationml/2006/main">
+  <p:cSld>
+    <p:spTree>
+      <p:nvGrpSpPr>
+        <p:cNvPr id="1" name=""/>
+        <p:cNvGrpSpPr/>
+        <p:nvPr/>
+      </p:nvGrpSpPr>
+      <p:grpSpPr>
+        <a:xfrm>
+          <a:off x="0" y="0"/>
+          <a:ext cx="0" cy="0"/>
+          <a:chOff x="0" y="0"/>
+          <a:chExt cx="0" cy="0"/>
+        </a:xfrm>
+      </p:grpSpPr>
+      <p:sp>
+        <p:nvSpPr>
+          <p:cNvPr id="2" name="Cím 1">
+            <a:extLst>
+              <a:ext uri="{FF2B5EF4-FFF2-40B4-BE49-F238E27FC236}">
+                <a16:creationId xmlns:a16="http://schemas.microsoft.com/office/drawing/2014/main" id="{B5D3479C-32E6-4BC2-8213-FD6B81F3C021}"/>
+              </a:ext>
+            </a:extLst>
+          </p:cNvPr>
+          <p:cNvSpPr>
+            <a:spLocks noGrp="1"/>
+          </p:cNvSpPr>
+          <p:nvPr>
+            <p:ph type="title"/>
+          </p:nvPr>
+        </p:nvSpPr>
+        <p:spPr/>
+        <p:txBody>
+          <a:bodyPr/>
+          <a:lstStyle/>
+          <a:p>
+            <a:r>
+              <a:rPr lang="hu-HU" dirty="0"/>
+              <a:t>Cím tábla</a:t>
+            </a:r>
+          </a:p>
+        </p:txBody>
+      </p:sp>
+      <p:sp>
+        <p:nvSpPr>
+          <p:cNvPr id="3" name="Tartalom helye 2">
+            <a:extLst>
+              <a:ext uri="{FF2B5EF4-FFF2-40B4-BE49-F238E27FC236}">
+                <a16:creationId xmlns:a16="http://schemas.microsoft.com/office/drawing/2014/main" id="{D923DC01-5C56-4999-AFA3-0F35F811FF13}"/>
+              </a:ext>
+            </a:extLst>
+          </p:cNvPr>
+          <p:cNvSpPr>
+            <a:spLocks noGrp="1"/>
+          </p:cNvSpPr>
+          <p:nvPr>
+            <p:ph sz="half" idx="1"/>
+          </p:nvPr>
+        </p:nvSpPr>
+        <p:spPr/>
+        <p:txBody>
+          <a:bodyPr/>
+          <a:lstStyle/>
+          <a:p>
+            <a:r>
+              <a:rPr lang="hu-HU" dirty="0"/>
+              <a:t>Sw1:192.168.70.4</a:t>
+            </a:r>
+          </a:p>
+          <a:p>
+            <a:r>
+              <a:rPr lang="hu-HU" dirty="0"/>
+              <a:t>Sw2:192.168.70.5</a:t>
+            </a:r>
+          </a:p>
+          <a:p>
+            <a:r>
+              <a:rPr lang="hu-HU" dirty="0"/>
+              <a:t>Sw3:192.168.70.6</a:t>
+            </a:r>
+          </a:p>
+          <a:p>
+            <a:r>
+              <a:rPr lang="hu-HU" dirty="0"/>
+              <a:t>Sw4:192.168.70.8</a:t>
+            </a:r>
+          </a:p>
+          <a:p>
+            <a:r>
+              <a:rPr lang="hu-HU"/>
+              <a:t>Sw5:192.168.70.7</a:t>
+            </a:r>
+            <a:endParaRPr lang="hu-HU" dirty="0"/>
+          </a:p>
+          <a:p>
+            <a:r>
+              <a:rPr lang="hu-HU" dirty="0"/>
+              <a:t>Sw6:192.168.70.10</a:t>
+            </a:r>
+          </a:p>
+          <a:p>
+            <a:r>
+              <a:rPr lang="hu-HU" dirty="0"/>
+              <a:t>Sw7:192.168.70.11</a:t>
+            </a:r>
+            <a:endParaRPr lang="hu-HU" b="1" dirty="0"/>
+          </a:p>
+        </p:txBody>
+      </p:sp>
+      <p:sp>
+        <p:nvSpPr>
+          <p:cNvPr id="4" name="Tartalom helye 3">
+            <a:extLst>
+              <a:ext uri="{FF2B5EF4-FFF2-40B4-BE49-F238E27FC236}">
+                <a16:creationId xmlns:a16="http://schemas.microsoft.com/office/drawing/2014/main" id="{E537E7E2-7A1A-4907-AFB8-30C93285F00D}"/>
+              </a:ext>
+            </a:extLst>
+          </p:cNvPr>
+          <p:cNvSpPr>
+            <a:spLocks noGrp="1"/>
+          </p:cNvSpPr>
+          <p:nvPr>
+            <p:ph sz="half" idx="2"/>
+          </p:nvPr>
+        </p:nvSpPr>
+        <p:spPr/>
+        <p:txBody>
+          <a:bodyPr/>
+          <a:lstStyle/>
+          <a:p>
+            <a:pPr marL="0" indent="0">
+              <a:buNone/>
+            </a:pPr>
+            <a:r>
+              <a:rPr lang="hu-HU" dirty="0">
+                <a:solidFill>
+                  <a:srgbClr val="92D050"/>
+                </a:solidFill>
+              </a:rPr>
+              <a:t>Server: </a:t>
+            </a:r>
+            <a:r>
+              <a:rPr lang="hu-HU" dirty="0">
+                <a:solidFill>
+                  <a:schemeClr val="tx1"/>
+                </a:solidFill>
+              </a:rPr>
+              <a:t>192.168.30.9</a:t>
+            </a:r>
+            <a:br>
+              <a:rPr lang="hu-HU" dirty="0">
+                <a:solidFill>
+                  <a:srgbClr val="92D050"/>
+                </a:solidFill>
+              </a:rPr>
+            </a:br>
+            <a:r>
+              <a:rPr lang="hu-HU" dirty="0">
+                <a:solidFill>
+                  <a:srgbClr val="92D050"/>
+                </a:solidFill>
+              </a:rPr>
+              <a:t>Pc1,2,3</a:t>
+            </a:r>
+            <a:r>
+              <a:rPr lang="hu-HU" dirty="0"/>
+              <a:t>:Dhcp server </a:t>
+            </a:r>
+            <a:br>
+              <a:rPr lang="hu-HU" dirty="0"/>
+            </a:br>
+            <a:r>
+              <a:rPr lang="hu-HU" dirty="0">
+                <a:solidFill>
+                  <a:srgbClr val="92D050"/>
+                </a:solidFill>
+              </a:rPr>
+              <a:t>Pc4,5,6:</a:t>
+            </a:r>
+            <a:r>
+              <a:rPr lang="hu-HU" dirty="0"/>
+              <a:t>192.168.20.11  192.168.20.12</a:t>
+            </a:r>
+            <a:br>
+              <a:rPr lang="hu-HU" dirty="0"/>
+            </a:br>
+            <a:r>
+              <a:rPr lang="hu-HU" dirty="0"/>
+              <a:t>192.168.20.13</a:t>
+            </a:r>
+            <a:br>
+              <a:rPr lang="hu-HU" dirty="0"/>
+            </a:br>
+            <a:r>
+              <a:rPr lang="hu-HU" dirty="0">
+                <a:solidFill>
+                  <a:srgbClr val="92D050"/>
+                </a:solidFill>
+              </a:rPr>
+              <a:t>Pc7,8,9</a:t>
+            </a:r>
+            <a:r>
+              <a:rPr lang="hu-HU" dirty="0"/>
+              <a:t>:Dhcp server</a:t>
+            </a:r>
+            <a:br>
+              <a:rPr lang="hu-HU" dirty="0"/>
+            </a:br>
+            <a:r>
+              <a:rPr lang="hu-HU" dirty="0">
+                <a:solidFill>
+                  <a:srgbClr val="92D050"/>
+                </a:solidFill>
+              </a:rPr>
+              <a:t>Pc16,17,18: </a:t>
+            </a:r>
+            <a:r>
+              <a:rPr lang="hu-HU" dirty="0"/>
+              <a:t>192.168.40.10 192.168.40.11  192.168.40.12 </a:t>
+            </a:r>
+            <a:br>
+              <a:rPr lang="hu-HU" dirty="0"/>
+            </a:br>
+            <a:r>
+              <a:rPr lang="hu-HU" dirty="0">
+                <a:solidFill>
+                  <a:srgbClr val="92D050"/>
+                </a:solidFill>
+              </a:rPr>
+              <a:t>Pc19,20,21:  </a:t>
+            </a:r>
+            <a:r>
+              <a:rPr lang="hu-HU" dirty="0">
+                <a:solidFill>
+                  <a:schemeClr val="tx1"/>
+                </a:solidFill>
+              </a:rPr>
+              <a:t>192.168.60.139 192.168.60.140   192.168.60.141</a:t>
+            </a:r>
+            <a:br>
+              <a:rPr lang="hu-HU" dirty="0">
+                <a:solidFill>
+                  <a:schemeClr val="tx1"/>
+                </a:solidFill>
+              </a:rPr>
+            </a:br>
+            <a:r>
+              <a:rPr lang="hu-HU" dirty="0">
+                <a:solidFill>
+                  <a:srgbClr val="92D050"/>
+                </a:solidFill>
+              </a:rPr>
+              <a:t>Pc11,12: </a:t>
+            </a:r>
+            <a:r>
+              <a:rPr lang="hu-HU" dirty="0">
+                <a:solidFill>
+                  <a:schemeClr val="tx1"/>
+                </a:solidFill>
+              </a:rPr>
+              <a:t>192.168.70.14  192.168.70.13</a:t>
+            </a:r>
+            <a:br>
+              <a:rPr lang="hu-HU" dirty="0">
+                <a:solidFill>
+                  <a:schemeClr val="tx1"/>
+                </a:solidFill>
+              </a:rPr>
+            </a:br>
+            <a:r>
+              <a:rPr lang="hu-HU" dirty="0">
+                <a:solidFill>
+                  <a:schemeClr val="accent1"/>
+                </a:solidFill>
+              </a:rPr>
+              <a:t>Pc13,14,15: </a:t>
+            </a:r>
+            <a:r>
+              <a:rPr lang="hu-HU" dirty="0">
+                <a:solidFill>
+                  <a:schemeClr val="tx1"/>
+                </a:solidFill>
+              </a:rPr>
+              <a:t>192.168.60.10 192.168.60.11 192.168.60.12</a:t>
+            </a:r>
+            <a:br>
+              <a:rPr lang="hu-HU" dirty="0">
+                <a:solidFill>
+                  <a:schemeClr val="tx1"/>
+                </a:solidFill>
+              </a:rPr>
+            </a:br>
+            <a:r>
+              <a:rPr lang="hu-HU" dirty="0">
+                <a:solidFill>
+                  <a:schemeClr val="accent1"/>
+                </a:solidFill>
+              </a:rPr>
+              <a:t>Pc0,10,22: </a:t>
+            </a:r>
+            <a:r>
+              <a:rPr lang="hu-HU" dirty="0" err="1">
+                <a:solidFill>
+                  <a:schemeClr val="tx1"/>
+                </a:solidFill>
+              </a:rPr>
+              <a:t>Dhcp</a:t>
+            </a:r>
+            <a:r>
+              <a:rPr lang="hu-HU" dirty="0">
+                <a:solidFill>
+                  <a:schemeClr val="tx1"/>
+                </a:solidFill>
+              </a:rPr>
+              <a:t> server</a:t>
+            </a:r>
+          </a:p>
+        </p:txBody>
+      </p:sp>
+    </p:spTree>
+    <p:extLst>
+      <p:ext uri="{BB962C8B-B14F-4D97-AF65-F5344CB8AC3E}">
+        <p14:creationId xmlns:p14="http://schemas.microsoft.com/office/powerpoint/2010/main" val="3604666740"/>
+      </p:ext>
+    </p:extLst>
+  </p:cSld>
+  <p:clrMapOvr>
+    <a:masterClrMapping/>
+  </p:clrMapOvr>
+</p:sld>
+</file>
+
+<file path=ppt/slides/slide7.xml><?xml version="1.0" encoding="utf-8"?>
+<p:sld xmlns:a="http://schemas.openxmlformats.org/drawingml/2006/main" xmlns:r="http://schemas.openxmlformats.org/officeDocument/2006/relationships" xmlns:p="http://schemas.openxmlformats.org/presentationml/2006/main">
+  <p:cSld>
+    <p:spTree>
+      <p:nvGrpSpPr>
+        <p:cNvPr id="1" name=""/>
+        <p:cNvGrpSpPr/>
+        <p:nvPr/>
+      </p:nvGrpSpPr>
+      <p:grpSpPr>
+        <a:xfrm>
+          <a:off x="0" y="0"/>
+          <a:ext cx="0" cy="0"/>
+          <a:chOff x="0" y="0"/>
+          <a:chExt cx="0" cy="0"/>
+        </a:xfrm>
+      </p:grpSpPr>
+      <p:sp>
+        <p:nvSpPr>
+          <p:cNvPr id="5" name="Cím 4">
+            <a:extLst>
+              <a:ext uri="{FF2B5EF4-FFF2-40B4-BE49-F238E27FC236}">
+                <a16:creationId xmlns:a16="http://schemas.microsoft.com/office/drawing/2014/main" id="{6BA82D8C-BDBD-4105-BFEA-9542CAE79357}"/>
+              </a:ext>
+            </a:extLst>
+          </p:cNvPr>
+          <p:cNvSpPr>
+            <a:spLocks noGrp="1"/>
+          </p:cNvSpPr>
+          <p:nvPr>
+            <p:ph type="title"/>
+          </p:nvPr>
+        </p:nvSpPr>
+        <p:spPr/>
+        <p:txBody>
+          <a:bodyPr/>
+          <a:lstStyle/>
+          <a:p>
+            <a:r>
+              <a:rPr lang="hu-HU" dirty="0"/>
+              <a:t>Email Server:</a:t>
+            </a:r>
+          </a:p>
+        </p:txBody>
+      </p:sp>
+      <p:sp>
+        <p:nvSpPr>
+          <p:cNvPr id="8" name="Tartalom helye 7">
+            <a:extLst>
+              <a:ext uri="{FF2B5EF4-FFF2-40B4-BE49-F238E27FC236}">
+                <a16:creationId xmlns:a16="http://schemas.microsoft.com/office/drawing/2014/main" id="{208BDFB8-BEFC-4C40-AB9F-7CEC0C1FE4E5}"/>
+              </a:ext>
+            </a:extLst>
+          </p:cNvPr>
+          <p:cNvSpPr>
+            <a:spLocks noGrp="1"/>
+          </p:cNvSpPr>
+          <p:nvPr>
+            <p:ph idx="1"/>
+          </p:nvPr>
+        </p:nvSpPr>
+        <p:spPr/>
+        <p:txBody>
+          <a:bodyPr/>
+          <a:lstStyle/>
+          <a:p>
+            <a:pPr marL="0" indent="0">
+              <a:buNone/>
+            </a:pPr>
+            <a:endParaRPr lang="hu-HU" dirty="0"/>
+          </a:p>
+          <a:p>
+            <a:pPr marL="0" indent="0">
+              <a:buNone/>
+            </a:pPr>
+            <a:r>
+              <a:rPr lang="hu-HU" sz="2800" dirty="0">
+                <a:solidFill>
+                  <a:schemeClr val="accent1"/>
+                </a:solidFill>
+              </a:rPr>
+              <a:t>Pc9:</a:t>
+            </a:r>
+            <a:br>
+              <a:rPr lang="hu-HU" sz="2800" dirty="0"/>
+            </a:br>
+            <a:r>
+              <a:rPr lang="hu-HU" sz="2800" dirty="0"/>
+              <a:t>Username:123</a:t>
+            </a:r>
+            <a:br>
+              <a:rPr lang="hu-HU" sz="2800" dirty="0"/>
+            </a:br>
+            <a:r>
+              <a:rPr lang="hu-HU" sz="2800" dirty="0"/>
+              <a:t>123@gmail.com</a:t>
+            </a:r>
+            <a:br>
+              <a:rPr lang="hu-HU" sz="2800" dirty="0"/>
+            </a:br>
+            <a:r>
+              <a:rPr lang="hu-HU" sz="2800" dirty="0"/>
+              <a:t>Password:123</a:t>
+            </a:r>
+            <a:br>
+              <a:rPr lang="hu-HU" sz="2800" dirty="0"/>
+            </a:br>
+            <a:br>
+              <a:rPr lang="hu-HU" sz="2800" dirty="0"/>
+            </a:br>
+            <a:br>
+              <a:rPr lang="hu-HU" sz="2800" dirty="0"/>
+            </a:br>
+            <a:r>
+              <a:rPr lang="hu-HU" sz="2800" dirty="0">
+                <a:solidFill>
+                  <a:schemeClr val="accent1"/>
+                </a:solidFill>
+              </a:rPr>
+              <a:t>Pc8:</a:t>
+            </a:r>
+            <a:br>
+              <a:rPr lang="hu-HU" sz="2800" dirty="0"/>
+            </a:br>
+            <a:r>
+              <a:rPr lang="hu-HU" sz="2800" dirty="0"/>
+              <a:t>Username:234</a:t>
+            </a:r>
+            <a:br>
+              <a:rPr lang="hu-HU" sz="2800" dirty="0"/>
+            </a:br>
+            <a:r>
+              <a:rPr lang="hu-HU" sz="2800" dirty="0"/>
+              <a:t>234@gmail.com</a:t>
+            </a:r>
+            <a:br>
+              <a:rPr lang="hu-HU" sz="2800" dirty="0"/>
+            </a:br>
+            <a:r>
+              <a:rPr lang="hu-HU" sz="2800" dirty="0"/>
+              <a:t>Password:123</a:t>
+            </a:r>
+            <a:br>
+              <a:rPr lang="hu-HU" sz="2800" dirty="0"/>
+            </a:br>
+            <a:endParaRPr lang="hu-HU" sz="2800" dirty="0"/>
+          </a:p>
+        </p:txBody>
+      </p:sp>
+    </p:spTree>
+    <p:extLst>
+      <p:ext uri="{BB962C8B-B14F-4D97-AF65-F5344CB8AC3E}">
+        <p14:creationId xmlns:p14="http://schemas.microsoft.com/office/powerpoint/2010/main" val="2999396581"/>
+      </p:ext>
+    </p:extLst>
+  </p:cSld>
+  <p:clrMapOvr>
+    <a:masterClrMapping/>
+  </p:clrMapOvr>
+</p:sld>
+</file>
+
+<file path=ppt/slides/slide8.xml><?xml version="1.0" encoding="utf-8"?>
+<p:sld xmlns:a="http://schemas.openxmlformats.org/drawingml/2006/main" xmlns:r="http://schemas.openxmlformats.org/officeDocument/2006/relationships" xmlns:p="http://schemas.openxmlformats.org/presentationml/2006/main">
+  <p:cSld>
+    <p:spTree>
+      <p:nvGrpSpPr>
+        <p:cNvPr id="1" name=""/>
+        <p:cNvGrpSpPr/>
+        <p:nvPr/>
+      </p:nvGrpSpPr>
+      <p:grpSpPr>
+        <a:xfrm>
+          <a:off x="0" y="0"/>
+          <a:ext cx="0" cy="0"/>
+          <a:chOff x="0" y="0"/>
+          <a:chExt cx="0" cy="0"/>
+        </a:xfrm>
+      </p:grpSpPr>
+      <p:sp>
+        <p:nvSpPr>
+          <p:cNvPr id="5" name="Cím 4">
+            <a:extLst>
+              <a:ext uri="{FF2B5EF4-FFF2-40B4-BE49-F238E27FC236}">
+                <a16:creationId xmlns:a16="http://schemas.microsoft.com/office/drawing/2014/main" id="{164C7012-2252-4F78-B075-5575173588AA}"/>
+              </a:ext>
+            </a:extLst>
+          </p:cNvPr>
+          <p:cNvSpPr>
+            <a:spLocks noGrp="1"/>
+          </p:cNvSpPr>
+          <p:nvPr>
+            <p:ph type="title"/>
+          </p:nvPr>
+        </p:nvSpPr>
+        <p:spPr/>
+        <p:txBody>
+          <a:bodyPr/>
+          <a:lstStyle/>
+          <a:p>
+            <a:endParaRPr lang="hu-HU" dirty="0"/>
+          </a:p>
+        </p:txBody>
+      </p:sp>
+      <p:sp>
+        <p:nvSpPr>
+          <p:cNvPr id="6" name="Tartalom helye 5">
+            <a:extLst>
+              <a:ext uri="{FF2B5EF4-FFF2-40B4-BE49-F238E27FC236}">
+                <a16:creationId xmlns:a16="http://schemas.microsoft.com/office/drawing/2014/main" id="{8CDF9E3C-A92C-4CFC-81C2-FB8CFBCD6574}"/>
+              </a:ext>
+            </a:extLst>
+          </p:cNvPr>
+          <p:cNvSpPr>
+            <a:spLocks noGrp="1"/>
+          </p:cNvSpPr>
+          <p:nvPr>
+            <p:ph idx="1"/>
+          </p:nvPr>
+        </p:nvSpPr>
+        <p:spPr/>
+        <p:txBody>
+          <a:bodyPr/>
+          <a:lstStyle/>
+          <a:p>
+            <a:pPr marL="0" indent="0">
+              <a:buNone/>
+            </a:pPr>
+            <a:endParaRPr lang="hu-HU" dirty="0"/>
+          </a:p>
+        </p:txBody>
+      </p:sp>
+    </p:spTree>
+    <p:extLst>
+      <p:ext uri="{BB962C8B-B14F-4D97-AF65-F5344CB8AC3E}">
+        <p14:creationId xmlns:p14="http://schemas.microsoft.com/office/powerpoint/2010/main" val="1675206202"/>
       </p:ext>
     </p:extLst>
   </p:cSld>
@@ -5292,6 +6196,132 @@
 </file>
 
 <file path=customXml/item2.xml><?xml version="1.0" encoding="utf-8"?>
+<p:properties xmlns:p="http://schemas.microsoft.com/office/2006/metadata/properties" xmlns:xsi="http://www.w3.org/2001/XMLSchema-instance" xmlns:pc="http://schemas.microsoft.com/office/infopath/2007/PartnerControls">
+  <documentManagement>
+    <DirectSourceMarket xmlns="4873beb7-5857-4685-be1f-d57550cc96cc" xsi:nil="true"/>
+    <ApprovalStatus xmlns="4873beb7-5857-4685-be1f-d57550cc96cc">InProgress</ApprovalStatus>
+    <MarketSpecific xmlns="4873beb7-5857-4685-be1f-d57550cc96cc">false</MarketSpecific>
+    <LocComments xmlns="4873beb7-5857-4685-be1f-d57550cc96cc" xsi:nil="true"/>
+    <ThumbnailAssetId xmlns="4873beb7-5857-4685-be1f-d57550cc96cc" xsi:nil="true"/>
+    <PrimaryImageGen xmlns="4873beb7-5857-4685-be1f-d57550cc96cc">true</PrimaryImageGen>
+    <LegacyData xmlns="4873beb7-5857-4685-be1f-d57550cc96cc" xsi:nil="true"/>
+    <LocRecommendedHandoff xmlns="4873beb7-5857-4685-be1f-d57550cc96cc" xsi:nil="true"/>
+    <BusinessGroup xmlns="4873beb7-5857-4685-be1f-d57550cc96cc" xsi:nil="true"/>
+    <BlockPublish xmlns="4873beb7-5857-4685-be1f-d57550cc96cc">false</BlockPublish>
+    <TPFriendlyName xmlns="4873beb7-5857-4685-be1f-d57550cc96cc" xsi:nil="true"/>
+    <NumericId xmlns="4873beb7-5857-4685-be1f-d57550cc96cc" xsi:nil="true"/>
+    <APEditor xmlns="4873beb7-5857-4685-be1f-d57550cc96cc">
+      <UserInfo>
+        <DisplayName/>
+        <AccountId xsi:nil="true"/>
+        <AccountType/>
+      </UserInfo>
+    </APEditor>
+    <SourceTitle xmlns="4873beb7-5857-4685-be1f-d57550cc96cc" xsi:nil="true"/>
+    <OpenTemplate xmlns="4873beb7-5857-4685-be1f-d57550cc96cc">true</OpenTemplate>
+    <UALocComments xmlns="4873beb7-5857-4685-be1f-d57550cc96cc" xsi:nil="true"/>
+    <ParentAssetId xmlns="4873beb7-5857-4685-be1f-d57550cc96cc" xsi:nil="true"/>
+    <IntlLangReviewDate xmlns="4873beb7-5857-4685-be1f-d57550cc96cc" xsi:nil="true"/>
+    <FeatureTagsTaxHTField0 xmlns="4873beb7-5857-4685-be1f-d57550cc96cc">
+      <Terms xmlns="http://schemas.microsoft.com/office/infopath/2007/PartnerControls"/>
+    </FeatureTagsTaxHTField0>
+    <PublishStatusLookup xmlns="4873beb7-5857-4685-be1f-d57550cc96cc">
+      <Value>1566889</Value>
+    </PublishStatusLookup>
+    <Providers xmlns="4873beb7-5857-4685-be1f-d57550cc96cc" xsi:nil="true"/>
+    <MachineTranslated xmlns="4873beb7-5857-4685-be1f-d57550cc96cc">false</MachineTranslated>
+    <OriginalSourceMarket xmlns="4873beb7-5857-4685-be1f-d57550cc96cc" xsi:nil="true"/>
+    <APDescription xmlns="4873beb7-5857-4685-be1f-d57550cc96cc" xsi:nil="true"/>
+    <ClipArtFilename xmlns="4873beb7-5857-4685-be1f-d57550cc96cc" xsi:nil="true"/>
+    <ContentItem xmlns="4873beb7-5857-4685-be1f-d57550cc96cc" xsi:nil="true"/>
+    <TPInstallLocation xmlns="4873beb7-5857-4685-be1f-d57550cc96cc" xsi:nil="true"/>
+    <PublishTargets xmlns="4873beb7-5857-4685-be1f-d57550cc96cc">OfficeOnlineVNext</PublishTargets>
+    <TimesCloned xmlns="4873beb7-5857-4685-be1f-d57550cc96cc" xsi:nil="true"/>
+    <AssetStart xmlns="4873beb7-5857-4685-be1f-d57550cc96cc">2012-05-23T08:44:00+00:00</AssetStart>
+    <Provider xmlns="4873beb7-5857-4685-be1f-d57550cc96cc" xsi:nil="true"/>
+    <AcquiredFrom xmlns="4873beb7-5857-4685-be1f-d57550cc96cc">Internal MS</AcquiredFrom>
+    <FriendlyTitle xmlns="4873beb7-5857-4685-be1f-d57550cc96cc" xsi:nil="true"/>
+    <LastHandOff xmlns="4873beb7-5857-4685-be1f-d57550cc96cc" xsi:nil="true"/>
+    <TPClientViewer xmlns="4873beb7-5857-4685-be1f-d57550cc96cc" xsi:nil="true"/>
+    <UACurrentWords xmlns="4873beb7-5857-4685-be1f-d57550cc96cc" xsi:nil="true"/>
+    <ArtSampleDocs xmlns="4873beb7-5857-4685-be1f-d57550cc96cc" xsi:nil="true"/>
+    <UALocRecommendation xmlns="4873beb7-5857-4685-be1f-d57550cc96cc">Localize</UALocRecommendation>
+    <Manager xmlns="4873beb7-5857-4685-be1f-d57550cc96cc" xsi:nil="true"/>
+    <ShowIn xmlns="4873beb7-5857-4685-be1f-d57550cc96cc">Show everywhere</ShowIn>
+    <UANotes xmlns="4873beb7-5857-4685-be1f-d57550cc96cc" xsi:nil="true"/>
+    <TemplateStatus xmlns="4873beb7-5857-4685-be1f-d57550cc96cc">Complete</TemplateStatus>
+    <InternalTagsTaxHTField0 xmlns="4873beb7-5857-4685-be1f-d57550cc96cc">
+      <Terms xmlns="http://schemas.microsoft.com/office/infopath/2007/PartnerControls"/>
+    </InternalTagsTaxHTField0>
+    <CSXHash xmlns="4873beb7-5857-4685-be1f-d57550cc96cc" xsi:nil="true"/>
+    <Downloads xmlns="4873beb7-5857-4685-be1f-d57550cc96cc">0</Downloads>
+    <VoteCount xmlns="4873beb7-5857-4685-be1f-d57550cc96cc" xsi:nil="true"/>
+    <OOCacheId xmlns="4873beb7-5857-4685-be1f-d57550cc96cc" xsi:nil="true"/>
+    <IsDeleted xmlns="4873beb7-5857-4685-be1f-d57550cc96cc">false</IsDeleted>
+    <AssetExpire xmlns="4873beb7-5857-4685-be1f-d57550cc96cc">2029-01-01T08:00:00+00:00</AssetExpire>
+    <DSATActionTaken xmlns="4873beb7-5857-4685-be1f-d57550cc96cc" xsi:nil="true"/>
+    <CSXSubmissionMarket xmlns="4873beb7-5857-4685-be1f-d57550cc96cc" xsi:nil="true"/>
+    <TPExecutable xmlns="4873beb7-5857-4685-be1f-d57550cc96cc" xsi:nil="true"/>
+    <SubmitterId xmlns="4873beb7-5857-4685-be1f-d57550cc96cc" xsi:nil="true"/>
+    <EditorialTags xmlns="4873beb7-5857-4685-be1f-d57550cc96cc" xsi:nil="true"/>
+    <ApprovalLog xmlns="4873beb7-5857-4685-be1f-d57550cc96cc" xsi:nil="true"/>
+    <AssetType xmlns="4873beb7-5857-4685-be1f-d57550cc96cc">TP</AssetType>
+    <BugNumber xmlns="4873beb7-5857-4685-be1f-d57550cc96cc" xsi:nil="true"/>
+    <CSXSubmissionDate xmlns="4873beb7-5857-4685-be1f-d57550cc96cc" xsi:nil="true"/>
+    <CSXUpdate xmlns="4873beb7-5857-4685-be1f-d57550cc96cc">false</CSXUpdate>
+    <Milestone xmlns="4873beb7-5857-4685-be1f-d57550cc96cc" xsi:nil="true"/>
+    <RecommendationsModifier xmlns="4873beb7-5857-4685-be1f-d57550cc96cc" xsi:nil="true"/>
+    <OriginAsset xmlns="4873beb7-5857-4685-be1f-d57550cc96cc" xsi:nil="true"/>
+    <TPComponent xmlns="4873beb7-5857-4685-be1f-d57550cc96cc" xsi:nil="true"/>
+    <AssetId xmlns="4873beb7-5857-4685-be1f-d57550cc96cc">TP102901017</AssetId>
+    <IntlLocPriority xmlns="4873beb7-5857-4685-be1f-d57550cc96cc" xsi:nil="true"/>
+    <PolicheckWords xmlns="4873beb7-5857-4685-be1f-d57550cc96cc" xsi:nil="true"/>
+    <TPLaunchHelpLink xmlns="4873beb7-5857-4685-be1f-d57550cc96cc" xsi:nil="true"/>
+    <TPApplication xmlns="4873beb7-5857-4685-be1f-d57550cc96cc" xsi:nil="true"/>
+    <CrawlForDependencies xmlns="4873beb7-5857-4685-be1f-d57550cc96cc">false</CrawlForDependencies>
+    <HandoffToMSDN xmlns="4873beb7-5857-4685-be1f-d57550cc96cc" xsi:nil="true"/>
+    <PlannedPubDate xmlns="4873beb7-5857-4685-be1f-d57550cc96cc" xsi:nil="true"/>
+    <IntlLangReviewer xmlns="4873beb7-5857-4685-be1f-d57550cc96cc" xsi:nil="true"/>
+    <TrustLevel xmlns="4873beb7-5857-4685-be1f-d57550cc96cc">1 Microsoft Managed Content</TrustLevel>
+    <LocLastLocAttemptVersionLookup xmlns="4873beb7-5857-4685-be1f-d57550cc96cc">836753</LocLastLocAttemptVersionLookup>
+    <IsSearchable xmlns="4873beb7-5857-4685-be1f-d57550cc96cc">true</IsSearchable>
+    <TemplateTemplateType xmlns="4873beb7-5857-4685-be1f-d57550cc96cc">PowerPoint Design Template</TemplateTemplateType>
+    <CampaignTagsTaxHTField0 xmlns="4873beb7-5857-4685-be1f-d57550cc96cc">
+      <Terms xmlns="http://schemas.microsoft.com/office/infopath/2007/PartnerControls"/>
+    </CampaignTagsTaxHTField0>
+    <TPNamespace xmlns="4873beb7-5857-4685-be1f-d57550cc96cc" xsi:nil="true"/>
+    <TaxCatchAll xmlns="4873beb7-5857-4685-be1f-d57550cc96cc"/>
+    <Markets xmlns="4873beb7-5857-4685-be1f-d57550cc96cc"/>
+    <UAProjectedTotalWords xmlns="4873beb7-5857-4685-be1f-d57550cc96cc" xsi:nil="true"/>
+    <IntlLangReview xmlns="4873beb7-5857-4685-be1f-d57550cc96cc">false</IntlLangReview>
+    <OutputCachingOn xmlns="4873beb7-5857-4685-be1f-d57550cc96cc">false</OutputCachingOn>
+    <AverageRating xmlns="4873beb7-5857-4685-be1f-d57550cc96cc" xsi:nil="true"/>
+    <APAuthor xmlns="4873beb7-5857-4685-be1f-d57550cc96cc">
+      <UserInfo>
+        <DisplayName>REDMOND\v-anij</DisplayName>
+        <AccountId>2469</AccountId>
+        <AccountType/>
+      </UserInfo>
+    </APAuthor>
+    <LocManualTestRequired xmlns="4873beb7-5857-4685-be1f-d57550cc96cc">false</LocManualTestRequired>
+    <TPCommandLine xmlns="4873beb7-5857-4685-be1f-d57550cc96cc" xsi:nil="true"/>
+    <TPAppVersion xmlns="4873beb7-5857-4685-be1f-d57550cc96cc" xsi:nil="true"/>
+    <EditorialStatus xmlns="4873beb7-5857-4685-be1f-d57550cc96cc">Complete</EditorialStatus>
+    <LastModifiedDateTime xmlns="4873beb7-5857-4685-be1f-d57550cc96cc" xsi:nil="true"/>
+    <ScenarioTagsTaxHTField0 xmlns="4873beb7-5857-4685-be1f-d57550cc96cc">
+      <Terms xmlns="http://schemas.microsoft.com/office/infopath/2007/PartnerControls"/>
+    </ScenarioTagsTaxHTField0>
+    <OriginalRelease xmlns="4873beb7-5857-4685-be1f-d57550cc96cc">15</OriginalRelease>
+    <TPLaunchHelpLinkType xmlns="4873beb7-5857-4685-be1f-d57550cc96cc">Template</TPLaunchHelpLinkType>
+    <LocalizationTagsTaxHTField0 xmlns="4873beb7-5857-4685-be1f-d57550cc96cc">
+      <Terms xmlns="http://schemas.microsoft.com/office/infopath/2007/PartnerControls"/>
+    </LocalizationTagsTaxHTField0>
+    <LocMarketGroupTiers2 xmlns="4873beb7-5857-4685-be1f-d57550cc96cc" xsi:nil="true"/>
+  </documentManagement>
+</p:properties>
+</file>
+
+<file path=customXml/item3.xml><?xml version="1.0" encoding="utf-8"?>
 <ct:contentTypeSchema xmlns:ct="http://schemas.microsoft.com/office/2006/metadata/contentType" xmlns:ma="http://schemas.microsoft.com/office/2006/metadata/properties/metaAttributes" ct:_="" ma:_="" ma:contentTypeName="TemplateFile" ma:contentTypeID="0x0101006EDDDB5EE6D98C44930B742096920B300400F5B6D36B3EF94B4E9A635CDF2A18F5B8" ma:contentTypeVersion="72" ma:contentTypeDescription="Create a new document." ma:contentTypeScope="" ma:versionID="a23e56308344d904b51738559c3d67c9">
   <xsd:schema xmlns:xsd="http://www.w3.org/2001/XMLSchema" xmlns:xs="http://www.w3.org/2001/XMLSchema" xmlns:p="http://schemas.microsoft.com/office/2006/metadata/properties" xmlns:ns2="4873beb7-5857-4685-be1f-d57550cc96cc" targetNamespace="http://schemas.microsoft.com/office/2006/metadata/properties" ma:root="true" ma:fieldsID="cd0908cc4600e77bf5da051303e00c8d" ns2:_="">
     <xsd:import namespace="4873beb7-5857-4685-be1f-d57550cc96cc"/>
@@ -6331,132 +7361,6 @@
 </ct:contentTypeSchema>
 </file>
 
-<file path=customXml/item3.xml><?xml version="1.0" encoding="utf-8"?>
-<p:properties xmlns:p="http://schemas.microsoft.com/office/2006/metadata/properties" xmlns:xsi="http://www.w3.org/2001/XMLSchema-instance" xmlns:pc="http://schemas.microsoft.com/office/infopath/2007/PartnerControls">
-  <documentManagement>
-    <DirectSourceMarket xmlns="4873beb7-5857-4685-be1f-d57550cc96cc" xsi:nil="true"/>
-    <ApprovalStatus xmlns="4873beb7-5857-4685-be1f-d57550cc96cc">InProgress</ApprovalStatus>
-    <MarketSpecific xmlns="4873beb7-5857-4685-be1f-d57550cc96cc">false</MarketSpecific>
-    <LocComments xmlns="4873beb7-5857-4685-be1f-d57550cc96cc" xsi:nil="true"/>
-    <ThumbnailAssetId xmlns="4873beb7-5857-4685-be1f-d57550cc96cc" xsi:nil="true"/>
-    <PrimaryImageGen xmlns="4873beb7-5857-4685-be1f-d57550cc96cc">true</PrimaryImageGen>
-    <LegacyData xmlns="4873beb7-5857-4685-be1f-d57550cc96cc" xsi:nil="true"/>
-    <LocRecommendedHandoff xmlns="4873beb7-5857-4685-be1f-d57550cc96cc" xsi:nil="true"/>
-    <BusinessGroup xmlns="4873beb7-5857-4685-be1f-d57550cc96cc" xsi:nil="true"/>
-    <BlockPublish xmlns="4873beb7-5857-4685-be1f-d57550cc96cc">false</BlockPublish>
-    <TPFriendlyName xmlns="4873beb7-5857-4685-be1f-d57550cc96cc" xsi:nil="true"/>
-    <NumericId xmlns="4873beb7-5857-4685-be1f-d57550cc96cc" xsi:nil="true"/>
-    <APEditor xmlns="4873beb7-5857-4685-be1f-d57550cc96cc">
-      <UserInfo>
-        <DisplayName/>
-        <AccountId xsi:nil="true"/>
-        <AccountType/>
-      </UserInfo>
-    </APEditor>
-    <SourceTitle xmlns="4873beb7-5857-4685-be1f-d57550cc96cc" xsi:nil="true"/>
-    <OpenTemplate xmlns="4873beb7-5857-4685-be1f-d57550cc96cc">true</OpenTemplate>
-    <UALocComments xmlns="4873beb7-5857-4685-be1f-d57550cc96cc" xsi:nil="true"/>
-    <ParentAssetId xmlns="4873beb7-5857-4685-be1f-d57550cc96cc" xsi:nil="true"/>
-    <IntlLangReviewDate xmlns="4873beb7-5857-4685-be1f-d57550cc96cc" xsi:nil="true"/>
-    <FeatureTagsTaxHTField0 xmlns="4873beb7-5857-4685-be1f-d57550cc96cc">
-      <Terms xmlns="http://schemas.microsoft.com/office/infopath/2007/PartnerControls"/>
-    </FeatureTagsTaxHTField0>
-    <PublishStatusLookup xmlns="4873beb7-5857-4685-be1f-d57550cc96cc">
-      <Value>1566889</Value>
-    </PublishStatusLookup>
-    <Providers xmlns="4873beb7-5857-4685-be1f-d57550cc96cc" xsi:nil="true"/>
-    <MachineTranslated xmlns="4873beb7-5857-4685-be1f-d57550cc96cc">false</MachineTranslated>
-    <OriginalSourceMarket xmlns="4873beb7-5857-4685-be1f-d57550cc96cc" xsi:nil="true"/>
-    <APDescription xmlns="4873beb7-5857-4685-be1f-d57550cc96cc" xsi:nil="true"/>
-    <ClipArtFilename xmlns="4873beb7-5857-4685-be1f-d57550cc96cc" xsi:nil="true"/>
-    <ContentItem xmlns="4873beb7-5857-4685-be1f-d57550cc96cc" xsi:nil="true"/>
-    <TPInstallLocation xmlns="4873beb7-5857-4685-be1f-d57550cc96cc" xsi:nil="true"/>
-    <PublishTargets xmlns="4873beb7-5857-4685-be1f-d57550cc96cc">OfficeOnlineVNext</PublishTargets>
-    <TimesCloned xmlns="4873beb7-5857-4685-be1f-d57550cc96cc" xsi:nil="true"/>
-    <AssetStart xmlns="4873beb7-5857-4685-be1f-d57550cc96cc">2012-05-23T08:44:00+00:00</AssetStart>
-    <Provider xmlns="4873beb7-5857-4685-be1f-d57550cc96cc" xsi:nil="true"/>
-    <AcquiredFrom xmlns="4873beb7-5857-4685-be1f-d57550cc96cc">Internal MS</AcquiredFrom>
-    <FriendlyTitle xmlns="4873beb7-5857-4685-be1f-d57550cc96cc" xsi:nil="true"/>
-    <LastHandOff xmlns="4873beb7-5857-4685-be1f-d57550cc96cc" xsi:nil="true"/>
-    <TPClientViewer xmlns="4873beb7-5857-4685-be1f-d57550cc96cc" xsi:nil="true"/>
-    <UACurrentWords xmlns="4873beb7-5857-4685-be1f-d57550cc96cc" xsi:nil="true"/>
-    <ArtSampleDocs xmlns="4873beb7-5857-4685-be1f-d57550cc96cc" xsi:nil="true"/>
-    <UALocRecommendation xmlns="4873beb7-5857-4685-be1f-d57550cc96cc">Localize</UALocRecommendation>
-    <Manager xmlns="4873beb7-5857-4685-be1f-d57550cc96cc" xsi:nil="true"/>
-    <ShowIn xmlns="4873beb7-5857-4685-be1f-d57550cc96cc">Show everywhere</ShowIn>
-    <UANotes xmlns="4873beb7-5857-4685-be1f-d57550cc96cc" xsi:nil="true"/>
-    <TemplateStatus xmlns="4873beb7-5857-4685-be1f-d57550cc96cc">Complete</TemplateStatus>
-    <InternalTagsTaxHTField0 xmlns="4873beb7-5857-4685-be1f-d57550cc96cc">
-      <Terms xmlns="http://schemas.microsoft.com/office/infopath/2007/PartnerControls"/>
-    </InternalTagsTaxHTField0>
-    <CSXHash xmlns="4873beb7-5857-4685-be1f-d57550cc96cc" xsi:nil="true"/>
-    <Downloads xmlns="4873beb7-5857-4685-be1f-d57550cc96cc">0</Downloads>
-    <VoteCount xmlns="4873beb7-5857-4685-be1f-d57550cc96cc" xsi:nil="true"/>
-    <OOCacheId xmlns="4873beb7-5857-4685-be1f-d57550cc96cc" xsi:nil="true"/>
-    <IsDeleted xmlns="4873beb7-5857-4685-be1f-d57550cc96cc">false</IsDeleted>
-    <AssetExpire xmlns="4873beb7-5857-4685-be1f-d57550cc96cc">2029-01-01T08:00:00+00:00</AssetExpire>
-    <DSATActionTaken xmlns="4873beb7-5857-4685-be1f-d57550cc96cc" xsi:nil="true"/>
-    <CSXSubmissionMarket xmlns="4873beb7-5857-4685-be1f-d57550cc96cc" xsi:nil="true"/>
-    <TPExecutable xmlns="4873beb7-5857-4685-be1f-d57550cc96cc" xsi:nil="true"/>
-    <SubmitterId xmlns="4873beb7-5857-4685-be1f-d57550cc96cc" xsi:nil="true"/>
-    <EditorialTags xmlns="4873beb7-5857-4685-be1f-d57550cc96cc" xsi:nil="true"/>
-    <ApprovalLog xmlns="4873beb7-5857-4685-be1f-d57550cc96cc" xsi:nil="true"/>
-    <AssetType xmlns="4873beb7-5857-4685-be1f-d57550cc96cc">TP</AssetType>
-    <BugNumber xmlns="4873beb7-5857-4685-be1f-d57550cc96cc" xsi:nil="true"/>
-    <CSXSubmissionDate xmlns="4873beb7-5857-4685-be1f-d57550cc96cc" xsi:nil="true"/>
-    <CSXUpdate xmlns="4873beb7-5857-4685-be1f-d57550cc96cc">false</CSXUpdate>
-    <Milestone xmlns="4873beb7-5857-4685-be1f-d57550cc96cc" xsi:nil="true"/>
-    <RecommendationsModifier xmlns="4873beb7-5857-4685-be1f-d57550cc96cc" xsi:nil="true"/>
-    <OriginAsset xmlns="4873beb7-5857-4685-be1f-d57550cc96cc" xsi:nil="true"/>
-    <TPComponent xmlns="4873beb7-5857-4685-be1f-d57550cc96cc" xsi:nil="true"/>
-    <AssetId xmlns="4873beb7-5857-4685-be1f-d57550cc96cc">TP102901017</AssetId>
-    <IntlLocPriority xmlns="4873beb7-5857-4685-be1f-d57550cc96cc" xsi:nil="true"/>
-    <PolicheckWords xmlns="4873beb7-5857-4685-be1f-d57550cc96cc" xsi:nil="true"/>
-    <TPLaunchHelpLink xmlns="4873beb7-5857-4685-be1f-d57550cc96cc" xsi:nil="true"/>
-    <TPApplication xmlns="4873beb7-5857-4685-be1f-d57550cc96cc" xsi:nil="true"/>
-    <CrawlForDependencies xmlns="4873beb7-5857-4685-be1f-d57550cc96cc">false</CrawlForDependencies>
-    <HandoffToMSDN xmlns="4873beb7-5857-4685-be1f-d57550cc96cc" xsi:nil="true"/>
-    <PlannedPubDate xmlns="4873beb7-5857-4685-be1f-d57550cc96cc" xsi:nil="true"/>
-    <IntlLangReviewer xmlns="4873beb7-5857-4685-be1f-d57550cc96cc" xsi:nil="true"/>
-    <TrustLevel xmlns="4873beb7-5857-4685-be1f-d57550cc96cc">1 Microsoft Managed Content</TrustLevel>
-    <LocLastLocAttemptVersionLookup xmlns="4873beb7-5857-4685-be1f-d57550cc96cc">836753</LocLastLocAttemptVersionLookup>
-    <IsSearchable xmlns="4873beb7-5857-4685-be1f-d57550cc96cc">true</IsSearchable>
-    <TemplateTemplateType xmlns="4873beb7-5857-4685-be1f-d57550cc96cc">PowerPoint Design Template</TemplateTemplateType>
-    <CampaignTagsTaxHTField0 xmlns="4873beb7-5857-4685-be1f-d57550cc96cc">
-      <Terms xmlns="http://schemas.microsoft.com/office/infopath/2007/PartnerControls"/>
-    </CampaignTagsTaxHTField0>
-    <TPNamespace xmlns="4873beb7-5857-4685-be1f-d57550cc96cc" xsi:nil="true"/>
-    <TaxCatchAll xmlns="4873beb7-5857-4685-be1f-d57550cc96cc"/>
-    <Markets xmlns="4873beb7-5857-4685-be1f-d57550cc96cc"/>
-    <UAProjectedTotalWords xmlns="4873beb7-5857-4685-be1f-d57550cc96cc" xsi:nil="true"/>
-    <IntlLangReview xmlns="4873beb7-5857-4685-be1f-d57550cc96cc">false</IntlLangReview>
-    <OutputCachingOn xmlns="4873beb7-5857-4685-be1f-d57550cc96cc">false</OutputCachingOn>
-    <AverageRating xmlns="4873beb7-5857-4685-be1f-d57550cc96cc" xsi:nil="true"/>
-    <APAuthor xmlns="4873beb7-5857-4685-be1f-d57550cc96cc">
-      <UserInfo>
-        <DisplayName>REDMOND\v-anij</DisplayName>
-        <AccountId>2469</AccountId>
-        <AccountType/>
-      </UserInfo>
-    </APAuthor>
-    <LocManualTestRequired xmlns="4873beb7-5857-4685-be1f-d57550cc96cc">false</LocManualTestRequired>
-    <TPCommandLine xmlns="4873beb7-5857-4685-be1f-d57550cc96cc" xsi:nil="true"/>
-    <TPAppVersion xmlns="4873beb7-5857-4685-be1f-d57550cc96cc" xsi:nil="true"/>
-    <EditorialStatus xmlns="4873beb7-5857-4685-be1f-d57550cc96cc">Complete</EditorialStatus>
-    <LastModifiedDateTime xmlns="4873beb7-5857-4685-be1f-d57550cc96cc" xsi:nil="true"/>
-    <ScenarioTagsTaxHTField0 xmlns="4873beb7-5857-4685-be1f-d57550cc96cc">
-      <Terms xmlns="http://schemas.microsoft.com/office/infopath/2007/PartnerControls"/>
-    </ScenarioTagsTaxHTField0>
-    <OriginalRelease xmlns="4873beb7-5857-4685-be1f-d57550cc96cc">15</OriginalRelease>
-    <TPLaunchHelpLinkType xmlns="4873beb7-5857-4685-be1f-d57550cc96cc">Template</TPLaunchHelpLinkType>
-    <LocalizationTagsTaxHTField0 xmlns="4873beb7-5857-4685-be1f-d57550cc96cc">
-      <Terms xmlns="http://schemas.microsoft.com/office/infopath/2007/PartnerControls"/>
-    </LocalizationTagsTaxHTField0>
-    <LocMarketGroupTiers2 xmlns="4873beb7-5857-4685-be1f-d57550cc96cc" xsi:nil="true"/>
-  </documentManagement>
-</p:properties>
-</file>
-
 <file path=customXml/itemProps1.xml><?xml version="1.0" encoding="utf-8"?>
 <ds:datastoreItem xmlns:ds="http://schemas.openxmlformats.org/officeDocument/2006/customXml" ds:itemID="{746CFF6F-D9AA-4BC0-911A-0A1356771912}">
   <ds:schemaRefs>
@@ -6466,6 +7370,22 @@
 </file>
 
 <file path=customXml/itemProps2.xml><?xml version="1.0" encoding="utf-8"?>
+<ds:datastoreItem xmlns:ds="http://schemas.openxmlformats.org/officeDocument/2006/customXml" ds:itemID="{04098515-0C12-46CF-BC7C-69B4A13CD5FA}">
+  <ds:schemaRefs>
+    <ds:schemaRef ds:uri="http://schemas.microsoft.com/office/2006/documentManagement/types"/>
+    <ds:schemaRef ds:uri="http://schemas.microsoft.com/office/infopath/2007/PartnerControls"/>
+    <ds:schemaRef ds:uri="http://purl.org/dc/elements/1.1/"/>
+    <ds:schemaRef ds:uri="http://schemas.microsoft.com/office/2006/metadata/properties"/>
+    <ds:schemaRef ds:uri="http://purl.org/dc/terms/"/>
+    <ds:schemaRef ds:uri="http://schemas.openxmlformats.org/package/2006/metadata/core-properties"/>
+    <ds:schemaRef ds:uri="4873beb7-5857-4685-be1f-d57550cc96cc"/>
+    <ds:schemaRef ds:uri="http://www.w3.org/XML/1998/namespace"/>
+    <ds:schemaRef ds:uri="http://purl.org/dc/dcmitype/"/>
+  </ds:schemaRefs>
+</ds:datastoreItem>
+</file>
+
+<file path=customXml/itemProps3.xml><?xml version="1.0" encoding="utf-8"?>
 <ds:datastoreItem xmlns:ds="http://schemas.openxmlformats.org/officeDocument/2006/customXml" ds:itemID="{0B5C6E15-39DC-470B-9445-F754B9458020}">
   <ds:schemaRefs>
     <ds:schemaRef ds:uri="http://schemas.microsoft.com/office/2006/metadata/contentType"/>
@@ -6481,20 +7401,4 @@
     <ds:schemaRef ds:uri="http://schemas.microsoft.com/internal/obd"/>
   </ds:schemaRefs>
 </ds:datastoreItem>
-</file>
-
-<file path=customXml/itemProps3.xml><?xml version="1.0" encoding="utf-8"?>
-<ds:datastoreItem xmlns:ds="http://schemas.openxmlformats.org/officeDocument/2006/customXml" ds:itemID="{04098515-0C12-46CF-BC7C-69B4A13CD5FA}">
-  <ds:schemaRefs>
-    <ds:schemaRef ds:uri="http://schemas.microsoft.com/office/2006/documentManagement/types"/>
-    <ds:schemaRef ds:uri="http://schemas.microsoft.com/office/infopath/2007/PartnerControls"/>
-    <ds:schemaRef ds:uri="http://purl.org/dc/elements/1.1/"/>
-    <ds:schemaRef ds:uri="http://schemas.microsoft.com/office/2006/metadata/properties"/>
-    <ds:schemaRef ds:uri="http://purl.org/dc/terms/"/>
-    <ds:schemaRef ds:uri="http://schemas.openxmlformats.org/package/2006/metadata/core-properties"/>
-    <ds:schemaRef ds:uri="4873beb7-5857-4685-be1f-d57550cc96cc"/>
-    <ds:schemaRef ds:uri="http://www.w3.org/XML/1998/namespace"/>
-    <ds:schemaRef ds:uri="http://purl.org/dc/dcmitype/"/>
-  </ds:schemaRefs>
-</ds:datastoreItem>
 </file>